--- a/Диплом_през.pptx
+++ b/Диплом_през.pptx
@@ -5,25 +5,26 @@
     <p:sldMasterId id="2147483648" r:id="rId1"/>
   </p:sldMasterIdLst>
   <p:notesMasterIdLst>
-    <p:notesMasterId r:id="rId15"/>
+    <p:notesMasterId r:id="rId16"/>
   </p:notesMasterIdLst>
   <p:handoutMasterIdLst>
-    <p:handoutMasterId r:id="rId16"/>
+    <p:handoutMasterId r:id="rId17"/>
   </p:handoutMasterIdLst>
   <p:sldIdLst>
     <p:sldId id="261" r:id="rId2"/>
     <p:sldId id="274" r:id="rId3"/>
     <p:sldId id="257" r:id="rId4"/>
     <p:sldId id="278" r:id="rId5"/>
-    <p:sldId id="277" r:id="rId6"/>
+    <p:sldId id="279" r:id="rId6"/>
     <p:sldId id="262" r:id="rId7"/>
-    <p:sldId id="269" r:id="rId8"/>
-    <p:sldId id="275" r:id="rId9"/>
+    <p:sldId id="275" r:id="rId8"/>
+    <p:sldId id="269" r:id="rId9"/>
     <p:sldId id="276" r:id="rId10"/>
-    <p:sldId id="273" r:id="rId11"/>
-    <p:sldId id="272" r:id="rId12"/>
-    <p:sldId id="263" r:id="rId13"/>
-    <p:sldId id="265" r:id="rId14"/>
+    <p:sldId id="277" r:id="rId11"/>
+    <p:sldId id="273" r:id="rId12"/>
+    <p:sldId id="272" r:id="rId13"/>
+    <p:sldId id="263" r:id="rId14"/>
+    <p:sldId id="265" r:id="rId15"/>
   </p:sldIdLst>
   <p:sldSz cx="12192000" cy="6858000"/>
   <p:notesSz cx="6858000" cy="9144000"/>
@@ -1192,7 +1193,7 @@
       </dsp:nvSpPr>
       <dsp:spPr>
         <a:xfrm>
-          <a:off x="0" y="574033"/>
+          <a:off x="0" y="203157"/>
           <a:ext cx="2135187" cy="1281112"/>
         </a:xfrm>
         <a:prstGeom prst="roundRect">
@@ -1261,7 +1262,7 @@
         </a:p>
       </dsp:txBody>
       <dsp:txXfrm>
-        <a:off x="37522" y="611555"/>
+        <a:off x="37522" y="240679"/>
         <a:ext cx="2060143" cy="1206068"/>
       </dsp:txXfrm>
     </dsp:sp>
@@ -1272,7 +1273,7 @@
       </dsp:nvSpPr>
       <dsp:spPr>
         <a:xfrm>
-          <a:off x="2350492" y="949826"/>
+          <a:off x="2350492" y="578950"/>
           <a:ext cx="456445" cy="529526"/>
         </a:xfrm>
         <a:prstGeom prst="rightArrow">
@@ -1330,7 +1331,7 @@
         </a:p>
       </dsp:txBody>
       <dsp:txXfrm>
-        <a:off x="2350492" y="1055731"/>
+        <a:off x="2350492" y="684855"/>
         <a:ext cx="319512" cy="317716"/>
       </dsp:txXfrm>
     </dsp:sp>
@@ -1341,7 +1342,7 @@
       </dsp:nvSpPr>
       <dsp:spPr>
         <a:xfrm>
-          <a:off x="2996406" y="574033"/>
+          <a:off x="2996406" y="203157"/>
           <a:ext cx="2135187" cy="1281112"/>
         </a:xfrm>
         <a:prstGeom prst="roundRect">
@@ -1414,7 +1415,7 @@
         </a:p>
       </dsp:txBody>
       <dsp:txXfrm>
-        <a:off x="3033928" y="611555"/>
+        <a:off x="3033928" y="240679"/>
         <a:ext cx="2060143" cy="1206068"/>
       </dsp:txXfrm>
     </dsp:sp>
@@ -1425,7 +1426,7 @@
       </dsp:nvSpPr>
       <dsp:spPr>
         <a:xfrm>
-          <a:off x="5311861" y="949826"/>
+          <a:off x="5311861" y="578950"/>
           <a:ext cx="382167" cy="529526"/>
         </a:xfrm>
         <a:prstGeom prst="rightArrow">
@@ -1483,7 +1484,7 @@
         </a:p>
       </dsp:txBody>
       <dsp:txXfrm>
-        <a:off x="5311861" y="1055731"/>
+        <a:off x="5311861" y="684855"/>
         <a:ext cx="267517" cy="317716"/>
       </dsp:txXfrm>
     </dsp:sp>
@@ -1494,7 +1495,7 @@
       </dsp:nvSpPr>
       <dsp:spPr>
         <a:xfrm>
-          <a:off x="5852663" y="574033"/>
+          <a:off x="5852663" y="203157"/>
           <a:ext cx="2135187" cy="1281112"/>
         </a:xfrm>
         <a:prstGeom prst="roundRect">
@@ -1563,7 +1564,7 @@
         </a:p>
       </dsp:txBody>
       <dsp:txXfrm>
-        <a:off x="5890185" y="611555"/>
+        <a:off x="5890185" y="240679"/>
         <a:ext cx="2060143" cy="1206068"/>
       </dsp:txXfrm>
     </dsp:sp>
@@ -2835,7 +2836,7 @@
             <a:pPr rtl="0"/>
             <a:fld id="{2BADECFF-C1E6-41B7-861F-BE2B26CDAB05}" type="datetime1">
               <a:rPr lang="ru-RU" smtClean="0"/>
-              <a:t>02.06.2020</a:t>
+              <a:t>04.06.2020</a:t>
             </a:fld>
             <a:endParaRPr lang="ru-RU" dirty="0"/>
           </a:p>
@@ -3005,7 +3006,7 @@
             <a:pPr rtl="0"/>
             <a:fld id="{6F848B8F-24F3-4766-A59C-71045DA4FEF0}" type="datetime1">
               <a:rPr lang="ru-RU" smtClean="0"/>
-              <a:t>02.06.2020</a:t>
+              <a:t>04.06.2020</a:t>
             </a:fld>
             <a:endParaRPr lang="ru-RU" dirty="0"/>
           </a:p>
@@ -3599,7 +3600,7 @@
             <a:pPr rtl="0"/>
             <a:fld id="{82869989-EB00-4EE7-BCB5-25BDC5BB29F8}" type="slidenum">
               <a:rPr lang="ru-RU" smtClean="0"/>
-              <a:t>7</a:t>
+              <a:t>8</a:t>
             </a:fld>
             <a:endParaRPr lang="ru-RU" dirty="0"/>
           </a:p>
@@ -3684,7 +3685,7 @@
             <a:pPr rtl="0"/>
             <a:fld id="{82869989-EB00-4EE7-BCB5-25BDC5BB29F8}" type="slidenum">
               <a:rPr lang="ru-RU" smtClean="0"/>
-              <a:t>12</a:t>
+              <a:t>13</a:t>
             </a:fld>
             <a:endParaRPr lang="ru-RU" dirty="0"/>
           </a:p>
@@ -3769,7 +3770,7 @@
             <a:pPr rtl="0"/>
             <a:fld id="{82869989-EB00-4EE7-BCB5-25BDC5BB29F8}" type="slidenum">
               <a:rPr lang="ru-RU" smtClean="0"/>
-              <a:t>13</a:t>
+              <a:t>14</a:t>
             </a:fld>
             <a:endParaRPr lang="ru-RU" dirty="0"/>
           </a:p>
@@ -5938,7 +5939,7 @@
             <a:pPr rtl="0"/>
             <a:fld id="{21D30A75-6773-4051-8E3B-50DEBD5B27F5}" type="datetime1">
               <a:rPr lang="ru-RU" smtClean="0"/>
-              <a:t>02.06.2020</a:t>
+              <a:t>04.06.2020</a:t>
             </a:fld>
             <a:endParaRPr lang="ru-RU" dirty="0"/>
           </a:p>
@@ -6138,7 +6139,7 @@
             <a:pPr rtl="0"/>
             <a:fld id="{D7928C6E-EC50-49F1-B95C-FD73C1D14895}" type="datetime1">
               <a:rPr lang="ru-RU" smtClean="0"/>
-              <a:t>02.06.2020</a:t>
+              <a:t>04.06.2020</a:t>
             </a:fld>
             <a:endParaRPr lang="ru-RU" dirty="0"/>
           </a:p>
@@ -6328,7 +6329,7 @@
             <a:pPr rtl="0"/>
             <a:fld id="{A29ED9D4-4098-4CD3-A9A7-C343301264F2}" type="datetime1">
               <a:rPr lang="ru-RU" smtClean="0"/>
-              <a:t>02.06.2020</a:t>
+              <a:t>04.06.2020</a:t>
             </a:fld>
             <a:endParaRPr lang="ru-RU" dirty="0"/>
           </a:p>
@@ -8677,7 +8678,7 @@
             <a:pPr rtl="0"/>
             <a:fld id="{687FFE1D-B4BF-42B3-9799-021BB66D51E4}" type="datetime1">
               <a:rPr lang="ru-RU" smtClean="0"/>
-              <a:t>02.06.2020</a:t>
+              <a:t>04.06.2020</a:t>
             </a:fld>
             <a:endParaRPr lang="ru-RU" dirty="0"/>
           </a:p>
@@ -9137,7 +9138,7 @@
             <a:pPr rtl="0"/>
             <a:fld id="{433AC169-0119-4659-9B73-547F9C11A152}" type="datetime1">
               <a:rPr lang="ru-RU" smtClean="0"/>
-              <a:t>02.06.2020</a:t>
+              <a:t>04.06.2020</a:t>
             </a:fld>
             <a:endParaRPr lang="ru-RU" dirty="0"/>
           </a:p>
@@ -9275,7 +9276,7 @@
             <a:pPr rtl="0"/>
             <a:fld id="{88FE940F-5E05-43A4-90CE-E7C7653F1C67}" type="datetime1">
               <a:rPr lang="ru-RU" smtClean="0"/>
-              <a:t>02.06.2020</a:t>
+              <a:t>04.06.2020</a:t>
             </a:fld>
             <a:endParaRPr lang="ru-RU" dirty="0"/>
           </a:p>
@@ -11212,7 +11213,7 @@
             <a:pPr rtl="0"/>
             <a:fld id="{CA01554F-F072-4658-949A-7A94F490DB04}" type="datetime1">
               <a:rPr lang="ru-RU" smtClean="0"/>
-              <a:t>02.06.2020</a:t>
+              <a:t>04.06.2020</a:t>
             </a:fld>
             <a:endParaRPr lang="ru-RU" dirty="0"/>
           </a:p>
@@ -13475,7 +13476,7 @@
             <a:pPr rtl="0"/>
             <a:fld id="{3B0BFD1E-E11D-434C-9F87-0B5F0A29CFEC}" type="datetime1">
               <a:rPr lang="ru-RU" smtClean="0"/>
-              <a:t>02.06.2020</a:t>
+              <a:t>04.06.2020</a:t>
             </a:fld>
             <a:endParaRPr lang="ru-RU" dirty="0"/>
           </a:p>
@@ -17778,7 +17779,7 @@
             <a:pPr rtl="0"/>
             <a:fld id="{99137652-B7E4-4AE8-853E-9803CAFAAF7E}" type="datetime1">
               <a:rPr lang="ru-RU" smtClean="0"/>
-              <a:t>02.06.2020</a:t>
+              <a:t>04.06.2020</a:t>
             </a:fld>
             <a:endParaRPr lang="ru-RU" dirty="0"/>
           </a:p>
@@ -18519,6 +18520,176 @@
         </p:nvSpPr>
         <p:spPr/>
         <p:txBody>
+          <a:bodyPr>
+            <a:normAutofit fontScale="90000"/>
+          </a:bodyPr>
+          <a:lstStyle/>
+          <a:p>
+            <a:pPr algn="ctr"/>
+            <a:r>
+              <a:rPr lang="ru-RU" dirty="0" smtClean="0"/>
+              <a:t> Задача распределения учебной нагрузки </a:t>
+            </a:r>
+            <a:r>
+              <a:rPr lang="ru-RU" dirty="0"/>
+              <a:t>между преподавателями на основе учебного плана</a:t>
+            </a:r>
+          </a:p>
+        </p:txBody>
+      </p:sp>
+      <p:sp>
+        <p:nvSpPr>
+          <p:cNvPr id="3" name="Объект 2"/>
+          <p:cNvSpPr>
+            <a:spLocks noGrp="1"/>
+          </p:cNvSpPr>
+          <p:nvPr>
+            <p:ph idx="1"/>
+          </p:nvPr>
+        </p:nvSpPr>
+        <p:spPr>
+          <a:xfrm>
+            <a:off x="1295401" y="1981201"/>
+            <a:ext cx="4698076" cy="3809999"/>
+          </a:xfrm>
+        </p:spPr>
+        <p:txBody>
+          <a:bodyPr>
+            <a:normAutofit fontScale="77500" lnSpcReduction="20000"/>
+          </a:bodyPr>
+          <a:lstStyle/>
+          <a:p>
+            <a:pPr marL="0" indent="0">
+              <a:buNone/>
+            </a:pPr>
+            <a:r>
+              <a:rPr lang="ru-RU" dirty="0" smtClean="0"/>
+              <a:t>Автоматический и ручной режим</a:t>
+            </a:r>
+          </a:p>
+          <a:p>
+            <a:pPr marL="0" indent="0">
+              <a:buNone/>
+            </a:pPr>
+            <a:r>
+              <a:rPr lang="ru-RU" dirty="0" smtClean="0"/>
+              <a:t>Входные данные:</a:t>
+            </a:r>
+          </a:p>
+          <a:p>
+            <a:pPr marL="457200" indent="-457200">
+              <a:buFont typeface="+mj-lt"/>
+              <a:buAutoNum type="arabicPeriod"/>
+            </a:pPr>
+            <a:r>
+              <a:rPr lang="ru-RU" dirty="0" smtClean="0"/>
+              <a:t>Учебный план в формате таблицы </a:t>
+            </a:r>
+            <a:r>
+              <a:rPr lang="en-US" dirty="0" smtClean="0"/>
+              <a:t>Excel </a:t>
+            </a:r>
+            <a:endParaRPr lang="ru-RU" dirty="0" smtClean="0"/>
+          </a:p>
+          <a:p>
+            <a:pPr marL="457200" indent="-457200">
+              <a:buFont typeface="+mj-lt"/>
+              <a:buAutoNum type="arabicPeriod"/>
+            </a:pPr>
+            <a:r>
+              <a:rPr lang="ru-RU" dirty="0"/>
+              <a:t>Данные о количестве потоков, групп и </a:t>
+            </a:r>
+            <a:r>
+              <a:rPr lang="ru-RU" dirty="0" smtClean="0"/>
+              <a:t>подгрупп    - общие</a:t>
+            </a:r>
+          </a:p>
+          <a:p>
+            <a:pPr marL="457200" indent="-457200">
+              <a:buFont typeface="+mj-lt"/>
+              <a:buAutoNum type="arabicPeriod"/>
+            </a:pPr>
+            <a:r>
+              <a:rPr lang="ru-RU" dirty="0" smtClean="0"/>
+              <a:t>Таблица, содержащая информацию о предмете, преподавателе который его ведет и предпочтения преподавателя по ведению дисциплин. – на автоматическом уровне</a:t>
+            </a:r>
+          </a:p>
+          <a:p>
+            <a:pPr marL="0" indent="0">
+              <a:buNone/>
+            </a:pPr>
+            <a:r>
+              <a:rPr lang="ru-RU" dirty="0" smtClean="0"/>
+              <a:t>Выходные данные:</a:t>
+            </a:r>
+            <a:endParaRPr lang="ru-RU" dirty="0"/>
+          </a:p>
+          <a:p>
+            <a:pPr marL="0" indent="0">
+              <a:buNone/>
+            </a:pPr>
+            <a:r>
+              <a:rPr lang="ru-RU" dirty="0" smtClean="0"/>
+              <a:t>Распределение всей учеб. нагрузки кафедры между преподавателями.  - общий</a:t>
+            </a:r>
+          </a:p>
+        </p:txBody>
+      </p:sp>
+    </p:spTree>
+    <p:extLst>
+      <p:ext uri="{BB962C8B-B14F-4D97-AF65-F5344CB8AC3E}">
+        <p14:creationId xmlns:p14="http://schemas.microsoft.com/office/powerpoint/2010/main" val="4240745532"/>
+      </p:ext>
+    </p:extLst>
+  </p:cSld>
+  <p:clrMapOvr>
+    <a:masterClrMapping/>
+  </p:clrMapOvr>
+  <mc:AlternateContent xmlns:mc="http://schemas.openxmlformats.org/markup-compatibility/2006" xmlns:p14="http://schemas.microsoft.com/office/powerpoint/2010/main">
+    <mc:Choice Requires="p14">
+      <p:transition spd="med" p14:dur="700">
+        <p:fade/>
+      </p:transition>
+    </mc:Choice>
+    <mc:Fallback xmlns="">
+      <p:transition spd="med">
+        <p:fade/>
+      </p:transition>
+    </mc:Fallback>
+  </mc:AlternateContent>
+</p:sld>
+</file>
+
+<file path=ppt/slides/slide11.xml><?xml version="1.0" encoding="utf-8"?>
+<p:sld xmlns:a="http://schemas.openxmlformats.org/drawingml/2006/main" xmlns:r="http://schemas.openxmlformats.org/officeDocument/2006/relationships" xmlns:p="http://schemas.openxmlformats.org/presentationml/2006/main">
+  <p:cSld>
+    <p:spTree>
+      <p:nvGrpSpPr>
+        <p:cNvPr id="1" name=""/>
+        <p:cNvGrpSpPr/>
+        <p:nvPr/>
+      </p:nvGrpSpPr>
+      <p:grpSpPr>
+        <a:xfrm>
+          <a:off x="0" y="0"/>
+          <a:ext cx="0" cy="0"/>
+          <a:chOff x="0" y="0"/>
+          <a:chExt cx="0" cy="0"/>
+        </a:xfrm>
+      </p:grpSpPr>
+      <p:sp>
+        <p:nvSpPr>
+          <p:cNvPr id="2" name="Заголовок 1"/>
+          <p:cNvSpPr>
+            <a:spLocks noGrp="1"/>
+          </p:cNvSpPr>
+          <p:nvPr>
+            <p:ph type="title"/>
+          </p:nvPr>
+        </p:nvSpPr>
+        <p:spPr/>
+        <p:txBody>
           <a:bodyPr/>
           <a:lstStyle/>
           <a:p>
@@ -18591,7 +18762,7 @@
 </p:sld>
 </file>
 
-<file path=ppt/slides/slide11.xml><?xml version="1.0" encoding="utf-8"?>
+<file path=ppt/slides/slide12.xml><?xml version="1.0" encoding="utf-8"?>
 <p:sld xmlns:a="http://schemas.openxmlformats.org/drawingml/2006/main" xmlns:r="http://schemas.openxmlformats.org/officeDocument/2006/relationships" xmlns:p="http://schemas.openxmlformats.org/presentationml/2006/main">
   <p:cSld>
     <p:spTree>
@@ -18653,9 +18824,8 @@
             </a:pPr>
             <a:r>
               <a:rPr lang="ru-RU" dirty="0" smtClean="0"/>
-              <a:t>В рамках выполнения задачи были созданы представления для отображения информации получаемой из контроллера</a:t>
+              <a:t>---- В рамках выполнения задачи были созданы представления для отображения информации получаемой из контроллера</a:t>
             </a:r>
-            <a:endParaRPr lang="ru-RU" dirty="0"/>
           </a:p>
           <a:p>
             <a:pPr marL="0" indent="0">
@@ -18663,7 +18833,7 @@
             </a:pPr>
             <a:r>
               <a:rPr lang="ru-RU" dirty="0" smtClean="0"/>
-              <a:t>При создании представлений использовался движок </a:t>
+              <a:t>-------При создании представлений использовалась синтаксис разметки </a:t>
             </a:r>
             <a:r>
               <a:rPr lang="en-US" dirty="0" smtClean="0"/>
@@ -18678,7 +18848,7 @@
               <a:t>css</a:t>
             </a:r>
             <a:r>
-              <a:rPr lang="en-US" dirty="0"/>
+              <a:rPr lang="en-US" dirty="0" smtClean="0"/>
               <a:t>-</a:t>
             </a:r>
             <a:r>
@@ -18693,6 +18863,33 @@
               <a:rPr lang="en-US" dirty="0" smtClean="0"/>
               <a:t>Bootstrap</a:t>
             </a:r>
+            <a:r>
+              <a:rPr lang="ru-RU" dirty="0" smtClean="0"/>
+              <a:t> +++ Добавить демонстрацию сайта</a:t>
+            </a:r>
+          </a:p>
+          <a:p>
+            <a:pPr marL="0" indent="0">
+              <a:buNone/>
+            </a:pPr>
+            <a:endParaRPr lang="ru-RU" dirty="0" smtClean="0"/>
+          </a:p>
+          <a:p>
+            <a:pPr marL="0" indent="0">
+              <a:buNone/>
+            </a:pPr>
+            <a:endParaRPr lang="ru-RU" dirty="0"/>
+          </a:p>
+          <a:p>
+            <a:pPr marL="0" indent="0">
+              <a:buNone/>
+            </a:pPr>
+            <a:endParaRPr lang="ru-RU" dirty="0"/>
+          </a:p>
+          <a:p>
+            <a:pPr marL="0" indent="0">
+              <a:buNone/>
+            </a:pPr>
             <a:endParaRPr lang="ru-RU" dirty="0" smtClean="0"/>
           </a:p>
           <a:p>
@@ -18710,14 +18907,14 @@
           <p:nvPr>
             <p:extLst>
               <p:ext uri="{D42A27DB-BD31-4B8C-83A1-F6EECF244321}">
-                <p14:modId xmlns:p14="http://schemas.microsoft.com/office/powerpoint/2010/main" val="3267625440"/>
+                <p14:modId xmlns:p14="http://schemas.microsoft.com/office/powerpoint/2010/main" val="2359250986"/>
               </p:ext>
             </p:extLst>
           </p:nvPr>
         </p:nvGraphicFramePr>
         <p:xfrm>
-          <a:off x="1516611" y="3108924"/>
-          <a:ext cx="8128000" cy="1855146"/>
+          <a:off x="1516611" y="3479800"/>
+          <a:ext cx="8128000" cy="1484270"/>
         </p:xfrm>
         <a:graphic>
           <a:graphicData uri="http://schemas.openxmlformats.org/drawingml/2006/diagram">
@@ -18788,7 +18985,7 @@
 </p:sld>
 </file>
 
-<file path=ppt/slides/slide12.xml><?xml version="1.0" encoding="utf-8"?>
+<file path=ppt/slides/slide13.xml><?xml version="1.0" encoding="utf-8"?>
 <p:sld xmlns:a="http://schemas.openxmlformats.org/drawingml/2006/main" xmlns:r="http://schemas.openxmlformats.org/officeDocument/2006/relationships" xmlns:p="http://schemas.openxmlformats.org/presentationml/2006/main">
   <p:cSld>
     <p:spTree>
@@ -18856,6 +19053,11 @@
               <a:rPr lang="ru-RU" dirty="0"/>
               <a:t>функционирующий сайт кафедры с собственной базой данных. </a:t>
             </a:r>
+            <a:r>
+              <a:rPr lang="ru-RU" dirty="0" smtClean="0"/>
+              <a:t> +++++ перечислить поставленные задачи и констатировать что они выполнены, добавить технические нюансы, добавить особенности реализации</a:t>
+            </a:r>
+            <a:endParaRPr lang="ru-RU" dirty="0"/>
           </a:p>
           <a:p>
             <a:r>
@@ -18943,7 +19145,7 @@
 </p:sld>
 </file>
 
-<file path=ppt/slides/slide13.xml><?xml version="1.0" encoding="utf-8"?>
+<file path=ppt/slides/slide14.xml><?xml version="1.0" encoding="utf-8"?>
 <p:sld xmlns:a="http://schemas.openxmlformats.org/drawingml/2006/main" xmlns:r="http://schemas.openxmlformats.org/officeDocument/2006/relationships" xmlns:p="http://schemas.openxmlformats.org/presentationml/2006/main">
   <p:cSld>
     <p:spTree>
@@ -19075,20 +19277,6 @@
         <p:txBody>
           <a:bodyPr/>
           <a:lstStyle/>
-          <a:p>
-            <a:r>
-              <a:rPr lang="ru-RU" dirty="0" smtClean="0"/>
-              <a:t>4.54 миллиарда людей (</a:t>
-            </a:r>
-            <a:r>
-              <a:rPr lang="en-US" dirty="0" smtClean="0"/>
-              <a:t>~60%</a:t>
-            </a:r>
-            <a:r>
-              <a:rPr lang="ru-RU" dirty="0" smtClean="0"/>
-              <a:t> населения земли) являются пользователями интернета. Ежедневный прирост пользователей – около 1 миллиона людей.</a:t>
-            </a:r>
-          </a:p>
           <a:p>
             <a:r>
               <a:rPr lang="ru-RU" dirty="0" smtClean="0"/>
@@ -19241,21 +19429,17 @@
             <a:endParaRPr lang="en-US" dirty="0" smtClean="0"/>
           </a:p>
           <a:p>
-            <a:r>
-              <a:rPr lang="ru-RU" dirty="0"/>
-              <a:t>И</a:t>
-            </a:r>
+            <a:pPr rtl="0"/>
             <a:r>
               <a:rPr lang="ru-RU" dirty="0" smtClean="0"/>
-              <a:t>зучение платформы</a:t>
+              <a:t>Разработка структуры сайта и определение функциональных возможностей </a:t>
             </a:r>
-            <a:endParaRPr lang="ru-RU" dirty="0"/>
           </a:p>
           <a:p>
             <a:pPr rtl="0"/>
             <a:r>
               <a:rPr lang="ru-RU" dirty="0" smtClean="0"/>
-              <a:t>Разработка схемы и создание базы данных</a:t>
+              <a:t>Разработка структуры и создание базы данных</a:t>
             </a:r>
           </a:p>
           <a:p>
@@ -19452,20 +19636,10 @@
         </p:nvSpPr>
         <p:spPr/>
         <p:txBody>
-          <a:bodyPr>
-            <a:normAutofit fontScale="90000"/>
-          </a:bodyPr>
+          <a:bodyPr/>
           <a:lstStyle/>
           <a:p>
-            <a:pPr algn="ctr"/>
-            <a:r>
-              <a:rPr lang="ru-RU" dirty="0" smtClean="0"/>
-              <a:t> Задача автоматического распределения учебной нагрузки </a:t>
-            </a:r>
-            <a:r>
-              <a:rPr lang="ru-RU" dirty="0"/>
-              <a:t>между преподавателями на основе учебного плана</a:t>
-            </a:r>
+            <a:endParaRPr lang="ru-RU"/>
           </a:p>
         </p:txBody>
       </p:sp>
@@ -19481,88 +19655,58 @@
         </p:nvSpPr>
         <p:spPr/>
         <p:txBody>
-          <a:bodyPr>
-            <a:normAutofit/>
-          </a:bodyPr>
+          <a:bodyPr/>
           <a:lstStyle/>
           <a:p>
-            <a:pPr marL="0" indent="0">
-              <a:buNone/>
-            </a:pPr>
             <a:r>
               <a:rPr lang="ru-RU" dirty="0" smtClean="0"/>
-              <a:t>Входные данные:</a:t>
+              <a:t>Как это реализовано</a:t>
             </a:r>
           </a:p>
           <a:p>
-            <a:pPr marL="457200" indent="-457200">
-              <a:buFont typeface="+mj-lt"/>
-              <a:buAutoNum type="arabicPeriod"/>
-            </a:pPr>
             <a:r>
               <a:rPr lang="ru-RU" dirty="0" smtClean="0"/>
-              <a:t>Учебный план в формате таблицы </a:t>
-            </a:r>
-            <a:r>
-              <a:rPr lang="en-US" dirty="0" smtClean="0"/>
-              <a:t>Excel </a:t>
-            </a:r>
-            <a:endParaRPr lang="ru-RU" dirty="0" smtClean="0"/>
-          </a:p>
-          <a:p>
-            <a:pPr marL="457200" indent="-457200">
-              <a:buFont typeface="+mj-lt"/>
-              <a:buAutoNum type="arabicPeriod"/>
-            </a:pPr>
-            <a:r>
-              <a:rPr lang="ru-RU" dirty="0" smtClean="0"/>
-              <a:t>Таблица, содержащая информацию о предмете, преподавателе который его ведет и коэффициенте соответствия преподавателя предмету</a:t>
+              <a:t>Указать почему выбрана технология</a:t>
             </a:r>
           </a:p>
           <a:p>
-            <a:pPr marL="457200" indent="-457200">
-              <a:buFont typeface="+mj-lt"/>
-              <a:buAutoNum type="arabicPeriod"/>
-            </a:pPr>
             <a:r>
               <a:rPr lang="ru-RU" dirty="0" smtClean="0"/>
-              <a:t>Данные о количестве </a:t>
+              <a:t>Выбор программных средств и почему</a:t>
             </a:r>
+          </a:p>
+          <a:p>
             <a:r>
               <a:rPr lang="ru-RU" dirty="0" smtClean="0"/>
-              <a:t>подгрупп</a:t>
-            </a:r>
-            <a:endParaRPr lang="ru-RU" dirty="0" smtClean="0"/>
-          </a:p>
-          <a:p>
-            <a:pPr marL="0" indent="0">
-              <a:buNone/>
-            </a:pPr>
-            <a:r>
-              <a:rPr lang="ru-RU" dirty="0" smtClean="0"/>
-              <a:t>Выходные данные:</a:t>
+              <a:t>Объединить с 6</a:t>
             </a:r>
             <a:endParaRPr lang="ru-RU" dirty="0"/>
           </a:p>
+        </p:txBody>
+      </p:sp>
+      <p:sp>
+        <p:nvSpPr>
+          <p:cNvPr id="4" name="Текст 3"/>
+          <p:cNvSpPr>
+            <a:spLocks noGrp="1"/>
+          </p:cNvSpPr>
+          <p:nvPr>
+            <p:ph type="body" sz="half" idx="2"/>
+          </p:nvPr>
+        </p:nvSpPr>
+        <p:spPr/>
+        <p:txBody>
+          <a:bodyPr/>
+          <a:lstStyle/>
           <a:p>
-            <a:pPr marL="0" indent="0">
-              <a:buNone/>
-            </a:pPr>
-            <a:r>
-              <a:rPr lang="ru-RU" dirty="0"/>
-              <a:t> </a:t>
-            </a:r>
-            <a:r>
-              <a:rPr lang="ru-RU" dirty="0" smtClean="0"/>
-              <a:t>План нагрузки, учитывающий учёное звание преподавателя и возможность читать тот или иной предмет.</a:t>
-            </a:r>
+            <a:endParaRPr lang="ru-RU"/>
           </a:p>
         </p:txBody>
       </p:sp>
     </p:spTree>
     <p:extLst>
       <p:ext uri="{BB962C8B-B14F-4D97-AF65-F5344CB8AC3E}">
-        <p14:creationId xmlns:p14="http://schemas.microsoft.com/office/powerpoint/2010/main" val="4240745532"/>
+        <p14:creationId xmlns:p14="http://schemas.microsoft.com/office/powerpoint/2010/main" val="4101089015"/>
       </p:ext>
     </p:extLst>
   </p:cSld>
@@ -19616,12 +19760,11 @@
           <a:bodyPr rtlCol="0"/>
           <a:lstStyle/>
           <a:p>
-            <a:pPr rtl="0"/>
+            <a:pPr algn="ctr"/>
             <a:r>
-              <a:rPr lang="ru-RU" dirty="0" smtClean="0"/>
-              <a:t>Теоретические сведения о технологии</a:t>
+              <a:rPr lang="ru-RU" i="1" dirty="0"/>
+              <a:t>Общая схема взаимодействия компонентов</a:t>
             </a:r>
-            <a:endParaRPr lang="ru-RU" dirty="0"/>
           </a:p>
         </p:txBody>
       </p:sp>
@@ -20265,41 +20408,6 @@
           </a:p>
         </p:txBody>
       </p:sp>
-      <p:sp>
-        <p:nvSpPr>
-          <p:cNvPr id="34" name="TextBox 33"/>
-          <p:cNvSpPr txBox="1"/>
-          <p:nvPr/>
-        </p:nvSpPr>
-        <p:spPr>
-          <a:xfrm>
-            <a:off x="1355725" y="5226150"/>
-            <a:ext cx="9309100" cy="369332"/>
-          </a:xfrm>
-          <a:prstGeom prst="rect">
-            <a:avLst/>
-          </a:prstGeom>
-          <a:noFill/>
-        </p:spPr>
-        <p:txBody>
-          <a:bodyPr wrap="square" rtlCol="0">
-            <a:spAutoFit/>
-          </a:bodyPr>
-          <a:lstStyle/>
-          <a:p>
-            <a:pPr algn="ctr"/>
-            <a:r>
-              <a:rPr lang="ru-RU" i="1" dirty="0" smtClean="0"/>
-              <a:t>Общая схема </a:t>
-            </a:r>
-            <a:r>
-              <a:rPr lang="ru-RU" i="1" dirty="0" smtClean="0"/>
-              <a:t>взаимодействия компонентов</a:t>
-            </a:r>
-            <a:endParaRPr lang="ru-RU" i="1" dirty="0"/>
-          </a:p>
-        </p:txBody>
-      </p:sp>
     </p:spTree>
     <p:extLst>
       <p:ext uri="{BB962C8B-B14F-4D97-AF65-F5344CB8AC3E}">
@@ -20333,6 +20441,109 @@
 </file>
 
 <file path=ppt/slides/slide7.xml><?xml version="1.0" encoding="utf-8"?>
+<p:sld xmlns:a="http://schemas.openxmlformats.org/drawingml/2006/main" xmlns:r="http://schemas.openxmlformats.org/officeDocument/2006/relationships" xmlns:p="http://schemas.openxmlformats.org/presentationml/2006/main">
+  <p:cSld>
+    <p:spTree>
+      <p:nvGrpSpPr>
+        <p:cNvPr id="1" name=""/>
+        <p:cNvGrpSpPr/>
+        <p:nvPr/>
+      </p:nvGrpSpPr>
+      <p:grpSpPr>
+        <a:xfrm>
+          <a:off x="0" y="0"/>
+          <a:ext cx="0" cy="0"/>
+          <a:chOff x="0" y="0"/>
+          <a:chExt cx="0" cy="0"/>
+        </a:xfrm>
+      </p:grpSpPr>
+      <p:sp>
+        <p:nvSpPr>
+          <p:cNvPr id="2" name="Заголовок 1"/>
+          <p:cNvSpPr>
+            <a:spLocks noGrp="1"/>
+          </p:cNvSpPr>
+          <p:nvPr>
+            <p:ph type="title"/>
+          </p:nvPr>
+        </p:nvSpPr>
+        <p:spPr/>
+        <p:txBody>
+          <a:bodyPr/>
+          <a:lstStyle/>
+          <a:p>
+            <a:pPr algn="ctr"/>
+            <a:r>
+              <a:rPr lang="ru-RU" dirty="0" smtClean="0"/>
+              <a:t>Создание </a:t>
+            </a:r>
+            <a:r>
+              <a:rPr lang="ru-RU" dirty="0" smtClean="0"/>
+              <a:t>контроллеров и их методов</a:t>
+            </a:r>
+            <a:endParaRPr lang="ru-RU" dirty="0"/>
+          </a:p>
+        </p:txBody>
+      </p:sp>
+      <p:pic>
+        <p:nvPicPr>
+          <p:cNvPr id="4" name="Объект 3"/>
+          <p:cNvPicPr>
+            <a:picLocks noGrp="1" noChangeAspect="1"/>
+          </p:cNvPicPr>
+          <p:nvPr>
+            <p:ph idx="1"/>
+          </p:nvPr>
+        </p:nvPicPr>
+        <p:blipFill>
+          <a:blip r:embed="rId2"/>
+          <a:stretch>
+            <a:fillRect/>
+          </a:stretch>
+        </p:blipFill>
+        <p:spPr>
+          <a:xfrm>
+            <a:off x="2519362" y="2091603"/>
+            <a:ext cx="7153275" cy="2924175"/>
+          </a:xfrm>
+          <a:prstGeom prst="rect">
+            <a:avLst/>
+          </a:prstGeom>
+        </p:spPr>
+      </p:pic>
+    </p:spTree>
+    <p:extLst>
+      <p:ext uri="{BB962C8B-B14F-4D97-AF65-F5344CB8AC3E}">
+        <p14:creationId xmlns:p14="http://schemas.microsoft.com/office/powerpoint/2010/main" val="281444199"/>
+      </p:ext>
+    </p:extLst>
+  </p:cSld>
+  <p:clrMapOvr>
+    <a:masterClrMapping/>
+  </p:clrMapOvr>
+  <mc:AlternateContent xmlns:mc="http://schemas.openxmlformats.org/markup-compatibility/2006" xmlns:p14="http://schemas.microsoft.com/office/powerpoint/2010/main">
+    <mc:Choice Requires="p14">
+      <p:transition spd="med" p14:dur="700">
+        <p:fade/>
+      </p:transition>
+    </mc:Choice>
+    <mc:Fallback xmlns="">
+      <p:transition spd="med">
+        <p:fade/>
+      </p:transition>
+    </mc:Fallback>
+  </mc:AlternateContent>
+  <p:timing>
+    <p:tnLst>
+      <p:par>
+        <p:cTn id="1" dur="indefinite" restart="never" nodeType="tmRoot"/>
+      </p:par>
+    </p:tnLst>
+  </p:timing>
+</p:sld>
+</file>
+
+<file path=ppt/slides/slide8.xml><?xml version="1.0" encoding="utf-8"?>
 <p:sld xmlns:a="http://schemas.openxmlformats.org/drawingml/2006/main" xmlns:r="http://schemas.openxmlformats.org/officeDocument/2006/relationships" xmlns:p="http://schemas.openxmlformats.org/presentationml/2006/main">
   <p:cSld>
     <p:spTree>
@@ -20448,132 +20659,6 @@
 </p:sld>
 </file>
 
-<file path=ppt/slides/slide8.xml><?xml version="1.0" encoding="utf-8"?>
-<p:sld xmlns:a="http://schemas.openxmlformats.org/drawingml/2006/main" xmlns:r="http://schemas.openxmlformats.org/officeDocument/2006/relationships" xmlns:p="http://schemas.openxmlformats.org/presentationml/2006/main">
-  <p:cSld>
-    <p:spTree>
-      <p:nvGrpSpPr>
-        <p:cNvPr id="1" name=""/>
-        <p:cNvGrpSpPr/>
-        <p:nvPr/>
-      </p:nvGrpSpPr>
-      <p:grpSpPr>
-        <a:xfrm>
-          <a:off x="0" y="0"/>
-          <a:ext cx="0" cy="0"/>
-          <a:chOff x="0" y="0"/>
-          <a:chExt cx="0" cy="0"/>
-        </a:xfrm>
-      </p:grpSpPr>
-      <p:sp>
-        <p:nvSpPr>
-          <p:cNvPr id="2" name="Заголовок 1"/>
-          <p:cNvSpPr>
-            <a:spLocks noGrp="1"/>
-          </p:cNvSpPr>
-          <p:nvPr>
-            <p:ph type="title"/>
-          </p:nvPr>
-        </p:nvSpPr>
-        <p:spPr/>
-        <p:txBody>
-          <a:bodyPr/>
-          <a:lstStyle/>
-          <a:p>
-            <a:r>
-              <a:rPr lang="ru-RU" dirty="0" smtClean="0"/>
-              <a:t>Создание методов контроллера</a:t>
-            </a:r>
-            <a:endParaRPr lang="ru-RU" dirty="0"/>
-          </a:p>
-        </p:txBody>
-      </p:sp>
-      <p:sp>
-        <p:nvSpPr>
-          <p:cNvPr id="3" name="Объект 2"/>
-          <p:cNvSpPr>
-            <a:spLocks noGrp="1"/>
-          </p:cNvSpPr>
-          <p:nvPr>
-            <p:ph idx="1"/>
-          </p:nvPr>
-        </p:nvSpPr>
-        <p:spPr/>
-        <p:txBody>
-          <a:bodyPr/>
-          <a:lstStyle/>
-          <a:p>
-            <a:pPr marL="0" indent="0">
-              <a:buNone/>
-            </a:pPr>
-            <a:r>
-              <a:rPr lang="ru-RU" dirty="0" smtClean="0"/>
-              <a:t>В основном контроллере были созданы методы, позволяющие:</a:t>
-            </a:r>
-          </a:p>
-          <a:p>
-            <a:r>
-              <a:rPr lang="ru-RU" dirty="0" smtClean="0"/>
-              <a:t>создавать, редактировать и удалять новости</a:t>
-            </a:r>
-          </a:p>
-          <a:p>
-            <a:r>
-              <a:rPr lang="ru-RU" dirty="0"/>
-              <a:t>д</a:t>
-            </a:r>
-            <a:r>
-              <a:rPr lang="ru-RU" dirty="0" smtClean="0"/>
-              <a:t>обавлять, удалять и изменять информацию о сотрудниках</a:t>
-            </a:r>
-          </a:p>
-          <a:p>
-            <a:r>
-              <a:rPr lang="ru-RU" dirty="0" smtClean="0"/>
-              <a:t>выводить общую информацию, такую как общая информация о кафедре, её история и местоположение</a:t>
-            </a:r>
-          </a:p>
-          <a:p>
-            <a:r>
-              <a:rPr lang="ru-RU" dirty="0" smtClean="0"/>
-              <a:t>загружать учебные планы и автоматически распределять нагрузку между преподавателями</a:t>
-            </a:r>
-            <a:endParaRPr lang="en-US" dirty="0" smtClean="0"/>
-          </a:p>
-        </p:txBody>
-      </p:sp>
-    </p:spTree>
-    <p:extLst>
-      <p:ext uri="{BB962C8B-B14F-4D97-AF65-F5344CB8AC3E}">
-        <p14:creationId xmlns:p14="http://schemas.microsoft.com/office/powerpoint/2010/main" val="281444199"/>
-      </p:ext>
-    </p:extLst>
-  </p:cSld>
-  <p:clrMapOvr>
-    <a:masterClrMapping/>
-  </p:clrMapOvr>
-  <mc:AlternateContent xmlns:mc="http://schemas.openxmlformats.org/markup-compatibility/2006" xmlns:p14="http://schemas.microsoft.com/office/powerpoint/2010/main">
-    <mc:Choice Requires="p14">
-      <p:transition spd="med" p14:dur="700">
-        <p:fade/>
-      </p:transition>
-    </mc:Choice>
-    <mc:Fallback xmlns="">
-      <p:transition spd="med">
-        <p:fade/>
-      </p:transition>
-    </mc:Fallback>
-  </mc:AlternateContent>
-  <p:timing>
-    <p:tnLst>
-      <p:par>
-        <p:cTn id="1" dur="indefinite" restart="never" nodeType="tmRoot"/>
-      </p:par>
-    </p:tnLst>
-  </p:timing>
-</p:sld>
-</file>
-
 <file path=ppt/slides/slide9.xml><?xml version="1.0" encoding="utf-8"?>
 <p:sld xmlns:a="http://schemas.openxmlformats.org/drawingml/2006/main" xmlns:r="http://schemas.openxmlformats.org/officeDocument/2006/relationships" xmlns:p="http://schemas.openxmlformats.org/presentationml/2006/main">
   <p:cSld>
@@ -20658,12 +20743,8 @@
               <a:buAutoNum type="arabicPeriod"/>
             </a:pPr>
             <a:r>
-              <a:rPr lang="ru-RU" smtClean="0"/>
-              <a:t>задачу распределения </a:t>
-            </a:r>
-            <a:r>
               <a:rPr lang="ru-RU" dirty="0" smtClean="0"/>
-              <a:t>нагрузки</a:t>
+              <a:t>задачу распределения нагрузки</a:t>
             </a:r>
           </a:p>
           <a:p>
@@ -20698,7 +20779,6 @@
               <a:rPr lang="ru-RU" dirty="0" smtClean="0"/>
               <a:t>»</a:t>
             </a:r>
-            <a:endParaRPr lang="en-US" dirty="0" smtClean="0"/>
           </a:p>
           <a:p>
             <a:pPr marL="0" indent="0">
@@ -20706,8 +20786,15 @@
             </a:pPr>
             <a:r>
               <a:rPr lang="ru-RU" dirty="0" smtClean="0"/>
-              <a:t>Для решения задачи распределения используется жадный алгоритм, основанный на коэффициентах совместимости предмета и преподавателя</a:t>
+              <a:t>объединить</a:t>
             </a:r>
+            <a:endParaRPr lang="ru-RU" dirty="0" smtClean="0"/>
+          </a:p>
+          <a:p>
+            <a:pPr marL="0" indent="0">
+              <a:buNone/>
+            </a:pPr>
+            <a:endParaRPr lang="en-US" dirty="0" smtClean="0"/>
           </a:p>
           <a:p>
             <a:pPr marL="0" indent="0">

--- a/Диплом_през.pptx
+++ b/Диплом_през.pptx
@@ -14,15 +14,15 @@
     <p:sldId id="261" r:id="rId2"/>
     <p:sldId id="274" r:id="rId3"/>
     <p:sldId id="257" r:id="rId4"/>
-    <p:sldId id="278" r:id="rId5"/>
-    <p:sldId id="279" r:id="rId6"/>
+    <p:sldId id="279" r:id="rId5"/>
+    <p:sldId id="278" r:id="rId6"/>
     <p:sldId id="262" r:id="rId7"/>
-    <p:sldId id="275" r:id="rId8"/>
-    <p:sldId id="269" r:id="rId9"/>
-    <p:sldId id="276" r:id="rId10"/>
-    <p:sldId id="277" r:id="rId11"/>
-    <p:sldId id="273" r:id="rId12"/>
-    <p:sldId id="272" r:id="rId13"/>
+    <p:sldId id="269" r:id="rId8"/>
+    <p:sldId id="275" r:id="rId9"/>
+    <p:sldId id="277" r:id="rId10"/>
+    <p:sldId id="273" r:id="rId11"/>
+    <p:sldId id="272" r:id="rId12"/>
+    <p:sldId id="280" r:id="rId13"/>
     <p:sldId id="263" r:id="rId14"/>
     <p:sldId id="265" r:id="rId15"/>
   </p:sldIdLst>
@@ -1193,8 +1193,8 @@
       </dsp:nvSpPr>
       <dsp:spPr>
         <a:xfrm>
-          <a:off x="0" y="203157"/>
-          <a:ext cx="2135187" cy="1281112"/>
+          <a:off x="0" y="49559"/>
+          <a:ext cx="1274099" cy="836127"/>
         </a:xfrm>
         <a:prstGeom prst="roundRect">
           <a:avLst>
@@ -1238,12 +1238,12 @@
         </a:fontRef>
       </dsp:style>
       <dsp:txBody>
-        <a:bodyPr spcFirstLastPara="0" vert="horz" wrap="square" lIns="76200" tIns="76200" rIns="76200" bIns="76200" numCol="1" spcCol="1270" anchor="ctr" anchorCtr="0">
+        <a:bodyPr spcFirstLastPara="0" vert="horz" wrap="square" lIns="49530" tIns="49530" rIns="49530" bIns="49530" numCol="1" spcCol="1270" anchor="ctr" anchorCtr="0">
           <a:noAutofit/>
         </a:bodyPr>
         <a:lstStyle/>
         <a:p>
-          <a:pPr lvl="0" algn="ctr" defTabSz="889000">
+          <a:pPr lvl="0" algn="ctr" defTabSz="577850">
             <a:lnSpc>
               <a:spcPct val="90000"/>
             </a:lnSpc>
@@ -1255,15 +1255,15 @@
             </a:spcAft>
           </a:pPr>
           <a:r>
-            <a:rPr lang="ru-RU" sz="2000" kern="1200" dirty="0" smtClean="0"/>
+            <a:rPr lang="ru-RU" sz="1300" kern="1200" dirty="0" smtClean="0"/>
             <a:t>Получение информации из контроллера</a:t>
           </a:r>
-          <a:endParaRPr lang="ru-RU" sz="2000" kern="1200" dirty="0"/>
+          <a:endParaRPr lang="ru-RU" sz="1300" kern="1200" dirty="0"/>
         </a:p>
       </dsp:txBody>
       <dsp:txXfrm>
-        <a:off x="37522" y="240679"/>
-        <a:ext cx="2060143" cy="1206068"/>
+        <a:off x="24489" y="74048"/>
+        <a:ext cx="1225121" cy="787149"/>
       </dsp:txXfrm>
     </dsp:sp>
     <dsp:sp modelId="{A855EDA9-1D2A-4394-9AE9-28FFB749092C}">
@@ -1273,8 +1273,8 @@
       </dsp:nvSpPr>
       <dsp:spPr>
         <a:xfrm>
-          <a:off x="2350492" y="578950"/>
-          <a:ext cx="456445" cy="529526"/>
+          <a:off x="1402574" y="309634"/>
+          <a:ext cx="272368" cy="315976"/>
         </a:xfrm>
         <a:prstGeom prst="rightArrow">
           <a:avLst>
@@ -1316,7 +1316,7 @@
         </a:bodyPr>
         <a:lstStyle/>
         <a:p>
-          <a:pPr lvl="0" algn="ctr" defTabSz="711200">
+          <a:pPr lvl="0" algn="ctr" defTabSz="488950">
             <a:lnSpc>
               <a:spcPct val="90000"/>
             </a:lnSpc>
@@ -1327,12 +1327,12 @@
               <a:spcPct val="35000"/>
             </a:spcAft>
           </a:pPr>
-          <a:endParaRPr lang="ru-RU" sz="1600" kern="1200"/>
+          <a:endParaRPr lang="ru-RU" sz="1100" kern="1200"/>
         </a:p>
       </dsp:txBody>
       <dsp:txXfrm>
-        <a:off x="2350492" y="684855"/>
-        <a:ext cx="319512" cy="317716"/>
+        <a:off x="1402574" y="372829"/>
+        <a:ext cx="190658" cy="189586"/>
       </dsp:txXfrm>
     </dsp:sp>
     <dsp:sp modelId="{AEFC7752-3C93-4F8A-8593-586E984D534E}">
@@ -1342,8 +1342,8 @@
       </dsp:nvSpPr>
       <dsp:spPr>
         <a:xfrm>
-          <a:off x="2996406" y="203157"/>
-          <a:ext cx="2135187" cy="1281112"/>
+          <a:off x="1788001" y="49559"/>
+          <a:ext cx="1274099" cy="836127"/>
         </a:xfrm>
         <a:prstGeom prst="roundRect">
           <a:avLst>
@@ -1387,12 +1387,12 @@
         </a:fontRef>
       </dsp:style>
       <dsp:txBody>
-        <a:bodyPr spcFirstLastPara="0" vert="horz" wrap="square" lIns="76200" tIns="76200" rIns="76200" bIns="76200" numCol="1" spcCol="1270" anchor="ctr" anchorCtr="0">
+        <a:bodyPr spcFirstLastPara="0" vert="horz" wrap="square" lIns="49530" tIns="49530" rIns="49530" bIns="49530" numCol="1" spcCol="1270" anchor="ctr" anchorCtr="0">
           <a:noAutofit/>
         </a:bodyPr>
         <a:lstStyle/>
         <a:p>
-          <a:pPr lvl="0" algn="ctr" defTabSz="889000">
+          <a:pPr lvl="0" algn="ctr" defTabSz="577850">
             <a:lnSpc>
               <a:spcPct val="90000"/>
             </a:lnSpc>
@@ -1404,19 +1404,19 @@
             </a:spcAft>
           </a:pPr>
           <a:r>
-            <a:rPr lang="ru-RU" sz="2000" kern="1200" dirty="0" smtClean="0"/>
+            <a:rPr lang="ru-RU" sz="1300" kern="1200" dirty="0" smtClean="0"/>
             <a:t>Обработка данных и переменных в </a:t>
           </a:r>
           <a:r>
-            <a:rPr lang="en-US" sz="2000" kern="1200" dirty="0" smtClean="0"/>
+            <a:rPr lang="en-US" sz="1300" kern="1200" dirty="0" smtClean="0"/>
             <a:t>Razor</a:t>
           </a:r>
-          <a:endParaRPr lang="ru-RU" sz="2000" kern="1200" dirty="0"/>
+          <a:endParaRPr lang="ru-RU" sz="1300" kern="1200" dirty="0"/>
         </a:p>
       </dsp:txBody>
       <dsp:txXfrm>
-        <a:off x="3033928" y="240679"/>
-        <a:ext cx="2060143" cy="1206068"/>
+        <a:off x="1812490" y="74048"/>
+        <a:ext cx="1225121" cy="787149"/>
       </dsp:txXfrm>
     </dsp:sp>
     <dsp:sp modelId="{FEEF4289-E954-4A2A-8F71-A4A030155004}">
@@ -1426,8 +1426,8 @@
       </dsp:nvSpPr>
       <dsp:spPr>
         <a:xfrm>
-          <a:off x="5311861" y="578950"/>
-          <a:ext cx="382167" cy="529526"/>
+          <a:off x="3169668" y="309634"/>
+          <a:ext cx="228044" cy="315976"/>
         </a:xfrm>
         <a:prstGeom prst="rightArrow">
           <a:avLst>
@@ -1469,7 +1469,7 @@
         </a:bodyPr>
         <a:lstStyle/>
         <a:p>
-          <a:pPr lvl="0" algn="ctr" defTabSz="711200">
+          <a:pPr lvl="0" algn="ctr" defTabSz="488950">
             <a:lnSpc>
               <a:spcPct val="90000"/>
             </a:lnSpc>
@@ -1480,12 +1480,12 @@
               <a:spcPct val="35000"/>
             </a:spcAft>
           </a:pPr>
-          <a:endParaRPr lang="ru-RU" sz="1600" kern="1200"/>
+          <a:endParaRPr lang="ru-RU" sz="1100" kern="1200"/>
         </a:p>
       </dsp:txBody>
       <dsp:txXfrm>
-        <a:off x="5311861" y="684855"/>
-        <a:ext cx="267517" cy="317716"/>
+        <a:off x="3169668" y="372829"/>
+        <a:ext cx="159631" cy="189586"/>
       </dsp:txXfrm>
     </dsp:sp>
     <dsp:sp modelId="{457404CD-02D9-4DE3-84F0-103D0C293A25}">
@@ -1495,8 +1495,8 @@
       </dsp:nvSpPr>
       <dsp:spPr>
         <a:xfrm>
-          <a:off x="5852663" y="203157"/>
-          <a:ext cx="2135187" cy="1281112"/>
+          <a:off x="3492373" y="49559"/>
+          <a:ext cx="1274099" cy="836127"/>
         </a:xfrm>
         <a:prstGeom prst="roundRect">
           <a:avLst>
@@ -1540,12 +1540,12 @@
         </a:fontRef>
       </dsp:style>
       <dsp:txBody>
-        <a:bodyPr spcFirstLastPara="0" vert="horz" wrap="square" lIns="76200" tIns="76200" rIns="76200" bIns="76200" numCol="1" spcCol="1270" anchor="ctr" anchorCtr="0">
+        <a:bodyPr spcFirstLastPara="0" vert="horz" wrap="square" lIns="49530" tIns="49530" rIns="49530" bIns="49530" numCol="1" spcCol="1270" anchor="ctr" anchorCtr="0">
           <a:noAutofit/>
         </a:bodyPr>
         <a:lstStyle/>
         <a:p>
-          <a:pPr lvl="0" algn="ctr" defTabSz="889000">
+          <a:pPr lvl="0" algn="ctr" defTabSz="577850">
             <a:lnSpc>
               <a:spcPct val="90000"/>
             </a:lnSpc>
@@ -1557,15 +1557,15 @@
             </a:spcAft>
           </a:pPr>
           <a:r>
-            <a:rPr lang="ru-RU" sz="2000" kern="1200" dirty="0" smtClean="0"/>
+            <a:rPr lang="ru-RU" sz="1300" kern="1200" dirty="0" smtClean="0"/>
             <a:t>Создание страницы и отображение пользователю</a:t>
           </a:r>
-          <a:endParaRPr lang="ru-RU" sz="2000" kern="1200" dirty="0"/>
+          <a:endParaRPr lang="ru-RU" sz="1300" kern="1200" dirty="0"/>
         </a:p>
       </dsp:txBody>
       <dsp:txXfrm>
-        <a:off x="5890185" y="240679"/>
-        <a:ext cx="2060143" cy="1206068"/>
+        <a:off x="3516862" y="74048"/>
+        <a:ext cx="1225121" cy="787149"/>
       </dsp:txXfrm>
     </dsp:sp>
   </dsp:spTree>
@@ -2836,7 +2836,7 @@
             <a:pPr rtl="0"/>
             <a:fld id="{2BADECFF-C1E6-41B7-861F-BE2B26CDAB05}" type="datetime1">
               <a:rPr lang="ru-RU" smtClean="0"/>
-              <a:t>04.06.2020</a:t>
+              <a:t>10.06.2020</a:t>
             </a:fld>
             <a:endParaRPr lang="ru-RU" dirty="0"/>
           </a:p>
@@ -3006,7 +3006,7 @@
             <a:pPr rtl="0"/>
             <a:fld id="{6F848B8F-24F3-4766-A59C-71045DA4FEF0}" type="datetime1">
               <a:rPr lang="ru-RU" smtClean="0"/>
-              <a:t>04.06.2020</a:t>
+              <a:t>10.06.2020</a:t>
             </a:fld>
             <a:endParaRPr lang="ru-RU" dirty="0"/>
           </a:p>
@@ -3600,7 +3600,7 @@
             <a:pPr rtl="0"/>
             <a:fld id="{82869989-EB00-4EE7-BCB5-25BDC5BB29F8}" type="slidenum">
               <a:rPr lang="ru-RU" smtClean="0"/>
-              <a:t>8</a:t>
+              <a:t>7</a:t>
             </a:fld>
             <a:endParaRPr lang="ru-RU" dirty="0"/>
           </a:p>
@@ -5939,7 +5939,7 @@
             <a:pPr rtl="0"/>
             <a:fld id="{21D30A75-6773-4051-8E3B-50DEBD5B27F5}" type="datetime1">
               <a:rPr lang="ru-RU" smtClean="0"/>
-              <a:t>04.06.2020</a:t>
+              <a:t>10.06.2020</a:t>
             </a:fld>
             <a:endParaRPr lang="ru-RU" dirty="0"/>
           </a:p>
@@ -6139,7 +6139,7 @@
             <a:pPr rtl="0"/>
             <a:fld id="{D7928C6E-EC50-49F1-B95C-FD73C1D14895}" type="datetime1">
               <a:rPr lang="ru-RU" smtClean="0"/>
-              <a:t>04.06.2020</a:t>
+              <a:t>10.06.2020</a:t>
             </a:fld>
             <a:endParaRPr lang="ru-RU" dirty="0"/>
           </a:p>
@@ -6329,7 +6329,7 @@
             <a:pPr rtl="0"/>
             <a:fld id="{A29ED9D4-4098-4CD3-A9A7-C343301264F2}" type="datetime1">
               <a:rPr lang="ru-RU" smtClean="0"/>
-              <a:t>04.06.2020</a:t>
+              <a:t>10.06.2020</a:t>
             </a:fld>
             <a:endParaRPr lang="ru-RU" dirty="0"/>
           </a:p>
@@ -8678,7 +8678,7 @@
             <a:pPr rtl="0"/>
             <a:fld id="{687FFE1D-B4BF-42B3-9799-021BB66D51E4}" type="datetime1">
               <a:rPr lang="ru-RU" smtClean="0"/>
-              <a:t>04.06.2020</a:t>
+              <a:t>10.06.2020</a:t>
             </a:fld>
             <a:endParaRPr lang="ru-RU" dirty="0"/>
           </a:p>
@@ -9138,7 +9138,7 @@
             <a:pPr rtl="0"/>
             <a:fld id="{433AC169-0119-4659-9B73-547F9C11A152}" type="datetime1">
               <a:rPr lang="ru-RU" smtClean="0"/>
-              <a:t>04.06.2020</a:t>
+              <a:t>10.06.2020</a:t>
             </a:fld>
             <a:endParaRPr lang="ru-RU" dirty="0"/>
           </a:p>
@@ -9276,7 +9276,7 @@
             <a:pPr rtl="0"/>
             <a:fld id="{88FE940F-5E05-43A4-90CE-E7C7653F1C67}" type="datetime1">
               <a:rPr lang="ru-RU" smtClean="0"/>
-              <a:t>04.06.2020</a:t>
+              <a:t>10.06.2020</a:t>
             </a:fld>
             <a:endParaRPr lang="ru-RU" dirty="0"/>
           </a:p>
@@ -11213,7 +11213,7 @@
             <a:pPr rtl="0"/>
             <a:fld id="{CA01554F-F072-4658-949A-7A94F490DB04}" type="datetime1">
               <a:rPr lang="ru-RU" smtClean="0"/>
-              <a:t>04.06.2020</a:t>
+              <a:t>10.06.2020</a:t>
             </a:fld>
             <a:endParaRPr lang="ru-RU" dirty="0"/>
           </a:p>
@@ -13476,7 +13476,7 @@
             <a:pPr rtl="0"/>
             <a:fld id="{3B0BFD1E-E11D-434C-9F87-0B5F0A29CFEC}" type="datetime1">
               <a:rPr lang="ru-RU" smtClean="0"/>
-              <a:t>04.06.2020</a:t>
+              <a:t>10.06.2020</a:t>
             </a:fld>
             <a:endParaRPr lang="ru-RU" dirty="0"/>
           </a:p>
@@ -17779,7 +17779,7 @@
             <a:pPr rtl="0"/>
             <a:fld id="{99137652-B7E4-4AE8-853E-9803CAFAAF7E}" type="datetime1">
               <a:rPr lang="ru-RU" smtClean="0"/>
-              <a:t>04.06.2020</a:t>
+              <a:t>10.06.2020</a:t>
             </a:fld>
             <a:endParaRPr lang="ru-RU" dirty="0"/>
           </a:p>
@@ -18295,24 +18295,21 @@
                   <a:schemeClr val="tx1"/>
                 </a:solidFill>
               </a:rPr>
-              <a:t>«Создание информационного сайта кафедры с помощью ASP.NET MVC </a:t>
+              <a:t>«Создание информационного сайта </a:t>
             </a:r>
             <a:r>
-              <a:rPr lang="ru-RU" sz="2400" dirty="0" err="1">
+              <a:rPr lang="ru-RU" sz="2400" dirty="0" smtClean="0">
                 <a:solidFill>
                   <a:schemeClr val="tx1"/>
                 </a:solidFill>
               </a:rPr>
-              <a:t>Framework</a:t>
+              <a:t>кафедры»</a:t>
             </a:r>
-            <a:r>
-              <a:rPr lang="ru-RU" sz="2400" dirty="0">
-                <a:solidFill>
-                  <a:schemeClr val="tx1"/>
-                </a:solidFill>
-              </a:rPr>
-              <a:t>»</a:t>
-            </a:r>
+            <a:endParaRPr lang="ru-RU" sz="2400" dirty="0">
+              <a:solidFill>
+                <a:schemeClr val="tx1"/>
+              </a:solidFill>
+            </a:endParaRPr>
           </a:p>
         </p:txBody>
       </p:sp>
@@ -18520,176 +18517,6 @@
         </p:nvSpPr>
         <p:spPr/>
         <p:txBody>
-          <a:bodyPr>
-            <a:normAutofit fontScale="90000"/>
-          </a:bodyPr>
-          <a:lstStyle/>
-          <a:p>
-            <a:pPr algn="ctr"/>
-            <a:r>
-              <a:rPr lang="ru-RU" dirty="0" smtClean="0"/>
-              <a:t> Задача распределения учебной нагрузки </a:t>
-            </a:r>
-            <a:r>
-              <a:rPr lang="ru-RU" dirty="0"/>
-              <a:t>между преподавателями на основе учебного плана</a:t>
-            </a:r>
-          </a:p>
-        </p:txBody>
-      </p:sp>
-      <p:sp>
-        <p:nvSpPr>
-          <p:cNvPr id="3" name="Объект 2"/>
-          <p:cNvSpPr>
-            <a:spLocks noGrp="1"/>
-          </p:cNvSpPr>
-          <p:nvPr>
-            <p:ph idx="1"/>
-          </p:nvPr>
-        </p:nvSpPr>
-        <p:spPr>
-          <a:xfrm>
-            <a:off x="1295401" y="1981201"/>
-            <a:ext cx="4698076" cy="3809999"/>
-          </a:xfrm>
-        </p:spPr>
-        <p:txBody>
-          <a:bodyPr>
-            <a:normAutofit fontScale="77500" lnSpcReduction="20000"/>
-          </a:bodyPr>
-          <a:lstStyle/>
-          <a:p>
-            <a:pPr marL="0" indent="0">
-              <a:buNone/>
-            </a:pPr>
-            <a:r>
-              <a:rPr lang="ru-RU" dirty="0" smtClean="0"/>
-              <a:t>Автоматический и ручной режим</a:t>
-            </a:r>
-          </a:p>
-          <a:p>
-            <a:pPr marL="0" indent="0">
-              <a:buNone/>
-            </a:pPr>
-            <a:r>
-              <a:rPr lang="ru-RU" dirty="0" smtClean="0"/>
-              <a:t>Входные данные:</a:t>
-            </a:r>
-          </a:p>
-          <a:p>
-            <a:pPr marL="457200" indent="-457200">
-              <a:buFont typeface="+mj-lt"/>
-              <a:buAutoNum type="arabicPeriod"/>
-            </a:pPr>
-            <a:r>
-              <a:rPr lang="ru-RU" dirty="0" smtClean="0"/>
-              <a:t>Учебный план в формате таблицы </a:t>
-            </a:r>
-            <a:r>
-              <a:rPr lang="en-US" dirty="0" smtClean="0"/>
-              <a:t>Excel </a:t>
-            </a:r>
-            <a:endParaRPr lang="ru-RU" dirty="0" smtClean="0"/>
-          </a:p>
-          <a:p>
-            <a:pPr marL="457200" indent="-457200">
-              <a:buFont typeface="+mj-lt"/>
-              <a:buAutoNum type="arabicPeriod"/>
-            </a:pPr>
-            <a:r>
-              <a:rPr lang="ru-RU" dirty="0"/>
-              <a:t>Данные о количестве потоков, групп и </a:t>
-            </a:r>
-            <a:r>
-              <a:rPr lang="ru-RU" dirty="0" smtClean="0"/>
-              <a:t>подгрупп    - общие</a:t>
-            </a:r>
-          </a:p>
-          <a:p>
-            <a:pPr marL="457200" indent="-457200">
-              <a:buFont typeface="+mj-lt"/>
-              <a:buAutoNum type="arabicPeriod"/>
-            </a:pPr>
-            <a:r>
-              <a:rPr lang="ru-RU" dirty="0" smtClean="0"/>
-              <a:t>Таблица, содержащая информацию о предмете, преподавателе который его ведет и предпочтения преподавателя по ведению дисциплин. – на автоматическом уровне</a:t>
-            </a:r>
-          </a:p>
-          <a:p>
-            <a:pPr marL="0" indent="0">
-              <a:buNone/>
-            </a:pPr>
-            <a:r>
-              <a:rPr lang="ru-RU" dirty="0" smtClean="0"/>
-              <a:t>Выходные данные:</a:t>
-            </a:r>
-            <a:endParaRPr lang="ru-RU" dirty="0"/>
-          </a:p>
-          <a:p>
-            <a:pPr marL="0" indent="0">
-              <a:buNone/>
-            </a:pPr>
-            <a:r>
-              <a:rPr lang="ru-RU" dirty="0" smtClean="0"/>
-              <a:t>Распределение всей учеб. нагрузки кафедры между преподавателями.  - общий</a:t>
-            </a:r>
-          </a:p>
-        </p:txBody>
-      </p:sp>
-    </p:spTree>
-    <p:extLst>
-      <p:ext uri="{BB962C8B-B14F-4D97-AF65-F5344CB8AC3E}">
-        <p14:creationId xmlns:p14="http://schemas.microsoft.com/office/powerpoint/2010/main" val="4240745532"/>
-      </p:ext>
-    </p:extLst>
-  </p:cSld>
-  <p:clrMapOvr>
-    <a:masterClrMapping/>
-  </p:clrMapOvr>
-  <mc:AlternateContent xmlns:mc="http://schemas.openxmlformats.org/markup-compatibility/2006" xmlns:p14="http://schemas.microsoft.com/office/powerpoint/2010/main">
-    <mc:Choice Requires="p14">
-      <p:transition spd="med" p14:dur="700">
-        <p:fade/>
-      </p:transition>
-    </mc:Choice>
-    <mc:Fallback xmlns="">
-      <p:transition spd="med">
-        <p:fade/>
-      </p:transition>
-    </mc:Fallback>
-  </mc:AlternateContent>
-</p:sld>
-</file>
-
-<file path=ppt/slides/slide11.xml><?xml version="1.0" encoding="utf-8"?>
-<p:sld xmlns:a="http://schemas.openxmlformats.org/drawingml/2006/main" xmlns:r="http://schemas.openxmlformats.org/officeDocument/2006/relationships" xmlns:p="http://schemas.openxmlformats.org/presentationml/2006/main">
-  <p:cSld>
-    <p:spTree>
-      <p:nvGrpSpPr>
-        <p:cNvPr id="1" name=""/>
-        <p:cNvGrpSpPr/>
-        <p:nvPr/>
-      </p:nvGrpSpPr>
-      <p:grpSpPr>
-        <a:xfrm>
-          <a:off x="0" y="0"/>
-          <a:ext cx="0" cy="0"/>
-          <a:chOff x="0" y="0"/>
-          <a:chExt cx="0" cy="0"/>
-        </a:xfrm>
-      </p:grpSpPr>
-      <p:sp>
-        <p:nvSpPr>
-          <p:cNvPr id="2" name="Заголовок 1"/>
-          <p:cNvSpPr>
-            <a:spLocks noGrp="1"/>
-          </p:cNvSpPr>
-          <p:nvPr>
-            <p:ph type="title"/>
-          </p:nvPr>
-        </p:nvSpPr>
-        <p:spPr/>
-        <p:txBody>
           <a:bodyPr/>
           <a:lstStyle/>
           <a:p>
@@ -18725,7 +18552,7 @@
         </p:blipFill>
         <p:spPr>
           <a:xfrm>
-            <a:off x="1514787" y="1748443"/>
+            <a:off x="1539725" y="1748443"/>
             <a:ext cx="9162426" cy="4269971"/>
           </a:xfrm>
         </p:spPr>
@@ -18762,7 +18589,7 @@
 </p:sld>
 </file>
 
-<file path=ppt/slides/slide12.xml><?xml version="1.0" encoding="utf-8"?>
+<file path=ppt/slides/slide11.xml><?xml version="1.0" encoding="utf-8"?>
 <p:sld xmlns:a="http://schemas.openxmlformats.org/drawingml/2006/main" xmlns:r="http://schemas.openxmlformats.org/officeDocument/2006/relationships" xmlns:p="http://schemas.openxmlformats.org/presentationml/2006/main">
   <p:cSld>
     <p:spTree>
@@ -18822,56 +18649,6 @@
             <a:pPr marL="0" indent="0">
               <a:buNone/>
             </a:pPr>
-            <a:r>
-              <a:rPr lang="ru-RU" dirty="0" smtClean="0"/>
-              <a:t>---- В рамках выполнения задачи были созданы представления для отображения информации получаемой из контроллера</a:t>
-            </a:r>
-          </a:p>
-          <a:p>
-            <a:pPr marL="0" indent="0">
-              <a:buNone/>
-            </a:pPr>
-            <a:r>
-              <a:rPr lang="ru-RU" dirty="0" smtClean="0"/>
-              <a:t>-------При создании представлений использовалась синтаксис разметки </a:t>
-            </a:r>
-            <a:r>
-              <a:rPr lang="en-US" dirty="0" smtClean="0"/>
-              <a:t>Razor</a:t>
-            </a:r>
-            <a:r>
-              <a:rPr lang="ru-RU" dirty="0" smtClean="0"/>
-              <a:t>, а также </a:t>
-            </a:r>
-            <a:r>
-              <a:rPr lang="en-US" dirty="0" err="1" smtClean="0"/>
-              <a:t>css</a:t>
-            </a:r>
-            <a:r>
-              <a:rPr lang="en-US" dirty="0" smtClean="0"/>
-              <a:t>-</a:t>
-            </a:r>
-            <a:r>
-              <a:rPr lang="ru-RU" dirty="0" err="1" smtClean="0"/>
-              <a:t>фреймворк</a:t>
-            </a:r>
-            <a:r>
-              <a:rPr lang="ru-RU" dirty="0" smtClean="0"/>
-              <a:t> </a:t>
-            </a:r>
-            <a:r>
-              <a:rPr lang="en-US" dirty="0" smtClean="0"/>
-              <a:t>Bootstrap</a:t>
-            </a:r>
-            <a:r>
-              <a:rPr lang="ru-RU" dirty="0" smtClean="0"/>
-              <a:t> +++ Добавить демонстрацию сайта</a:t>
-            </a:r>
-          </a:p>
-          <a:p>
-            <a:pPr marL="0" indent="0">
-              <a:buNone/>
-            </a:pPr>
             <a:endParaRPr lang="ru-RU" dirty="0" smtClean="0"/>
           </a:p>
           <a:p>
@@ -18907,14 +18684,14 @@
           <p:nvPr>
             <p:extLst>
               <p:ext uri="{D42A27DB-BD31-4B8C-83A1-F6EECF244321}">
-                <p14:modId xmlns:p14="http://schemas.microsoft.com/office/powerpoint/2010/main" val="2359250986"/>
+                <p14:modId xmlns:p14="http://schemas.microsoft.com/office/powerpoint/2010/main" val="762280644"/>
               </p:ext>
             </p:extLst>
           </p:nvPr>
         </p:nvGraphicFramePr>
         <p:xfrm>
-          <a:off x="1516611" y="3479800"/>
-          <a:ext cx="8128000" cy="1484270"/>
+          <a:off x="6644134" y="673636"/>
+          <a:ext cx="4850102" cy="885687"/>
         </p:xfrm>
         <a:graphic>
           <a:graphicData uri="http://schemas.openxmlformats.org/drawingml/2006/diagram">
@@ -18930,8 +18707,8 @@
         </p:nvSpPr>
         <p:spPr>
           <a:xfrm>
-            <a:off x="2803723" y="4964070"/>
-            <a:ext cx="5553777" cy="369332"/>
+            <a:off x="7229083" y="1567887"/>
+            <a:ext cx="3680204" cy="369332"/>
           </a:xfrm>
           <a:prstGeom prst="rect">
             <a:avLst/>
@@ -18953,10 +18730,248 @@
           </a:p>
         </p:txBody>
       </p:sp>
+      <p:pic>
+        <p:nvPicPr>
+          <p:cNvPr id="4" name="Рисунок 3"/>
+          <p:cNvPicPr>
+            <a:picLocks noChangeAspect="1"/>
+          </p:cNvPicPr>
+          <p:nvPr/>
+        </p:nvPicPr>
+        <p:blipFill>
+          <a:blip r:embed="rId7">
+            <a:extLst>
+              <a:ext uri="{28A0092B-C50C-407E-A947-70E740481C1C}">
+                <a14:useLocalDpi xmlns:a14="http://schemas.microsoft.com/office/drawing/2010/main" val="0"/>
+              </a:ext>
+            </a:extLst>
+          </a:blip>
+          <a:stretch>
+            <a:fillRect/>
+          </a:stretch>
+        </p:blipFill>
+        <p:spPr>
+          <a:xfrm>
+            <a:off x="870065" y="2350533"/>
+            <a:ext cx="5267498" cy="2853228"/>
+          </a:xfrm>
+          <a:prstGeom prst="rect">
+            <a:avLst/>
+          </a:prstGeom>
+        </p:spPr>
+      </p:pic>
+      <p:pic>
+        <p:nvPicPr>
+          <p:cNvPr id="5" name="Рисунок 4"/>
+          <p:cNvPicPr>
+            <a:picLocks noChangeAspect="1"/>
+          </p:cNvPicPr>
+          <p:nvPr/>
+        </p:nvPicPr>
+        <p:blipFill>
+          <a:blip r:embed="rId8">
+            <a:extLst>
+              <a:ext uri="{28A0092B-C50C-407E-A947-70E740481C1C}">
+                <a14:useLocalDpi xmlns:a14="http://schemas.microsoft.com/office/drawing/2010/main" val="0"/>
+              </a:ext>
+            </a:extLst>
+          </a:blip>
+          <a:stretch>
+            <a:fillRect/>
+          </a:stretch>
+        </p:blipFill>
+        <p:spPr>
+          <a:xfrm>
+            <a:off x="6434050" y="2349031"/>
+            <a:ext cx="5270270" cy="2854730"/>
+          </a:xfrm>
+          <a:prstGeom prst="rect">
+            <a:avLst/>
+          </a:prstGeom>
+        </p:spPr>
+      </p:pic>
     </p:spTree>
     <p:extLst>
       <p:ext uri="{BB962C8B-B14F-4D97-AF65-F5344CB8AC3E}">
         <p14:creationId xmlns:p14="http://schemas.microsoft.com/office/powerpoint/2010/main" val="1983875378"/>
+      </p:ext>
+    </p:extLst>
+  </p:cSld>
+  <p:clrMapOvr>
+    <a:masterClrMapping/>
+  </p:clrMapOvr>
+  <mc:AlternateContent xmlns:mc="http://schemas.openxmlformats.org/markup-compatibility/2006" xmlns:p14="http://schemas.microsoft.com/office/powerpoint/2010/main">
+    <mc:Choice Requires="p14">
+      <p:transition spd="med" p14:dur="700">
+        <p:fade/>
+      </p:transition>
+    </mc:Choice>
+    <mc:Fallback xmlns="">
+      <p:transition spd="med">
+        <p:fade/>
+      </p:transition>
+    </mc:Fallback>
+  </mc:AlternateContent>
+  <p:timing>
+    <p:tnLst>
+      <p:par>
+        <p:cTn id="1" dur="indefinite" restart="never" nodeType="tmRoot"/>
+      </p:par>
+    </p:tnLst>
+  </p:timing>
+</p:sld>
+</file>
+
+<file path=ppt/slides/slide12.xml><?xml version="1.0" encoding="utf-8"?>
+<p:sld xmlns:a="http://schemas.openxmlformats.org/drawingml/2006/main" xmlns:r="http://schemas.openxmlformats.org/officeDocument/2006/relationships" xmlns:p="http://schemas.openxmlformats.org/presentationml/2006/main">
+  <p:cSld>
+    <p:spTree>
+      <p:nvGrpSpPr>
+        <p:cNvPr id="1" name=""/>
+        <p:cNvGrpSpPr/>
+        <p:nvPr/>
+      </p:nvGrpSpPr>
+      <p:grpSpPr>
+        <a:xfrm>
+          <a:off x="0" y="0"/>
+          <a:ext cx="0" cy="0"/>
+          <a:chOff x="0" y="0"/>
+          <a:chExt cx="0" cy="0"/>
+        </a:xfrm>
+      </p:grpSpPr>
+      <p:sp>
+        <p:nvSpPr>
+          <p:cNvPr id="2" name="Заголовок 1"/>
+          <p:cNvSpPr>
+            <a:spLocks noGrp="1"/>
+          </p:cNvSpPr>
+          <p:nvPr>
+            <p:ph type="title" idx="4294967295"/>
+          </p:nvPr>
+        </p:nvSpPr>
+        <p:spPr>
+          <a:xfrm>
+            <a:off x="781396" y="656704"/>
+            <a:ext cx="8819804" cy="989533"/>
+          </a:xfrm>
+        </p:spPr>
+        <p:txBody>
+          <a:bodyPr/>
+          <a:lstStyle/>
+          <a:p>
+            <a:r>
+              <a:rPr lang="ru-RU" dirty="0"/>
+              <a:t>Создание интерфейса</a:t>
+            </a:r>
+          </a:p>
+        </p:txBody>
+      </p:sp>
+      <p:pic>
+        <p:nvPicPr>
+          <p:cNvPr id="6" name="Рисунок 5"/>
+          <p:cNvPicPr>
+            <a:picLocks noChangeAspect="1"/>
+          </p:cNvPicPr>
+          <p:nvPr/>
+        </p:nvPicPr>
+        <p:blipFill>
+          <a:blip r:embed="rId2">
+            <a:extLst>
+              <a:ext uri="{28A0092B-C50C-407E-A947-70E740481C1C}">
+                <a14:useLocalDpi xmlns:a14="http://schemas.microsoft.com/office/drawing/2010/main" val="0"/>
+              </a:ext>
+            </a:extLst>
+          </a:blip>
+          <a:stretch>
+            <a:fillRect/>
+          </a:stretch>
+        </p:blipFill>
+        <p:spPr>
+          <a:xfrm>
+            <a:off x="1712421" y="1608166"/>
+            <a:ext cx="4451465" cy="2411210"/>
+          </a:xfrm>
+          <a:prstGeom prst="rect">
+            <a:avLst/>
+          </a:prstGeom>
+        </p:spPr>
+      </p:pic>
+      <p:pic>
+        <p:nvPicPr>
+          <p:cNvPr id="3" name="Рисунок 2"/>
+          <p:cNvPicPr>
+            <a:picLocks noChangeAspect="1"/>
+          </p:cNvPicPr>
+          <p:nvPr/>
+        </p:nvPicPr>
+        <p:blipFill>
+          <a:blip r:embed="rId3"/>
+          <a:stretch>
+            <a:fillRect/>
+          </a:stretch>
+        </p:blipFill>
+        <p:spPr>
+          <a:xfrm>
+            <a:off x="6222076" y="4019376"/>
+            <a:ext cx="4459779" cy="2424195"/>
+          </a:xfrm>
+          <a:prstGeom prst="rect">
+            <a:avLst/>
+          </a:prstGeom>
+        </p:spPr>
+      </p:pic>
+      <p:pic>
+        <p:nvPicPr>
+          <p:cNvPr id="7" name="Рисунок 6"/>
+          <p:cNvPicPr>
+            <a:picLocks noChangeAspect="1"/>
+          </p:cNvPicPr>
+          <p:nvPr/>
+        </p:nvPicPr>
+        <p:blipFill>
+          <a:blip r:embed="rId4"/>
+          <a:stretch>
+            <a:fillRect/>
+          </a:stretch>
+        </p:blipFill>
+        <p:spPr>
+          <a:xfrm>
+            <a:off x="6163886" y="1614216"/>
+            <a:ext cx="4135814" cy="2240233"/>
+          </a:xfrm>
+          <a:prstGeom prst="rect">
+            <a:avLst/>
+          </a:prstGeom>
+        </p:spPr>
+      </p:pic>
+      <p:pic>
+        <p:nvPicPr>
+          <p:cNvPr id="8" name="Рисунок 7"/>
+          <p:cNvPicPr>
+            <a:picLocks noChangeAspect="1"/>
+          </p:cNvPicPr>
+          <p:nvPr/>
+        </p:nvPicPr>
+        <p:blipFill>
+          <a:blip r:embed="rId5"/>
+          <a:stretch>
+            <a:fillRect/>
+          </a:stretch>
+        </p:blipFill>
+        <p:spPr>
+          <a:xfrm>
+            <a:off x="1712420" y="4019377"/>
+            <a:ext cx="4509655" cy="2442730"/>
+          </a:xfrm>
+          <a:prstGeom prst="rect">
+            <a:avLst/>
+          </a:prstGeom>
+        </p:spPr>
+      </p:pic>
+    </p:spTree>
+    <p:extLst>
+      <p:ext uri="{BB962C8B-B14F-4D97-AF65-F5344CB8AC3E}">
+        <p14:creationId xmlns:p14="http://schemas.microsoft.com/office/powerpoint/2010/main" val="378112618"/>
       </p:ext>
     </p:extLst>
   </p:cSld>
@@ -19038,77 +19053,72 @@
         </p:nvSpPr>
         <p:spPr/>
         <p:txBody>
-          <a:bodyPr/>
+          <a:bodyPr>
+            <a:normAutofit/>
+          </a:bodyPr>
           <a:lstStyle/>
           <a:p>
+            <a:pPr marL="0" indent="0">
+              <a:buNone/>
+            </a:pPr>
             <a:r>
               <a:rPr lang="ru-RU" dirty="0"/>
               <a:t>В результате проделанной работы была достигнута поставленная цель, а </a:t>
             </a:r>
             <a:r>
               <a:rPr lang="ru-RU" dirty="0" smtClean="0"/>
-              <a:t>именно был создан полностью </a:t>
-            </a:r>
-            <a:r>
-              <a:rPr lang="ru-RU" dirty="0"/>
-              <a:t>функционирующий сайт кафедры с собственной базой данных. </a:t>
-            </a:r>
-            <a:r>
-              <a:rPr lang="ru-RU" dirty="0" smtClean="0"/>
-              <a:t> +++++ перечислить поставленные задачи и констатировать что они выполнены, добавить технические нюансы, добавить особенности реализации</a:t>
-            </a:r>
-            <a:endParaRPr lang="ru-RU" dirty="0"/>
-          </a:p>
-          <a:p>
-            <a:r>
-              <a:rPr lang="ru-RU" dirty="0"/>
-              <a:t>Во время выполнения данной курсовой работы были получены  базовые навыки моделирования и создания базы данных, а так же </a:t>
-            </a:r>
-            <a:r>
-              <a:rPr lang="ru-RU" dirty="0" smtClean="0"/>
-              <a:t>основных компонентов и представлений веб-сайта </a:t>
-            </a:r>
-            <a:r>
-              <a:rPr lang="ru-RU" dirty="0"/>
-              <a:t>на базе </a:t>
-            </a:r>
-            <a:r>
-              <a:rPr lang="ru-RU" dirty="0" err="1"/>
-              <a:t>фреймворка</a:t>
-            </a:r>
-            <a:r>
-              <a:rPr lang="ru-RU" dirty="0"/>
-              <a:t> </a:t>
-            </a:r>
-            <a:r>
-              <a:rPr lang="en-US" dirty="0"/>
-              <a:t>ASP</a:t>
-            </a:r>
-            <a:r>
-              <a:rPr lang="ru-RU" dirty="0"/>
-              <a:t>.</a:t>
-            </a:r>
-            <a:r>
-              <a:rPr lang="en-US" dirty="0"/>
-              <a:t>NET MVC</a:t>
-            </a:r>
-            <a:r>
-              <a:rPr lang="ru-RU" dirty="0"/>
-              <a:t> </a:t>
-            </a:r>
-            <a:r>
-              <a:rPr lang="ru-RU" dirty="0" smtClean="0"/>
-              <a:t>5.</a:t>
+              <a:t>именно: </a:t>
             </a:r>
           </a:p>
           <a:p>
             <a:r>
               <a:rPr lang="ru-RU" dirty="0" smtClean="0"/>
-              <a:t>В дальнейшем планируется усовершенствовать алгоритм распределения нагрузки с использованием нейронных сетей.</a:t>
+              <a:t>Проведен анализ технологий</a:t>
             </a:r>
-            <a:endParaRPr lang="ru-RU" dirty="0"/>
+            <a:r>
+              <a:rPr lang="en-US" dirty="0" smtClean="0"/>
+              <a:t> </a:t>
+            </a:r>
+            <a:r>
+              <a:rPr lang="ru-RU" dirty="0" smtClean="0"/>
+              <a:t>и выбран </a:t>
+            </a:r>
+            <a:r>
+              <a:rPr lang="en-US" dirty="0" smtClean="0"/>
+              <a:t>ASP.NET </a:t>
+            </a:r>
+            <a:r>
+              <a:rPr lang="ru-RU" dirty="0" smtClean="0"/>
+              <a:t>и </a:t>
+            </a:r>
+            <a:r>
+              <a:rPr lang="en-US" dirty="0" smtClean="0"/>
+              <a:t>MS SQL</a:t>
+            </a:r>
+            <a:endParaRPr lang="ru-RU" dirty="0" smtClean="0"/>
           </a:p>
           <a:p>
+            <a:r>
+              <a:rPr lang="ru-RU" dirty="0" smtClean="0"/>
+              <a:t>Создана база данных из 5 таблиц (данные о сотрудниках, научные работы, темы ВКР, таблица предпочтений предметов преподавателями)</a:t>
+            </a:r>
+          </a:p>
+          <a:p>
+            <a:r>
+              <a:rPr lang="ru-RU" dirty="0" smtClean="0"/>
+              <a:t>Разработано ПО для реализации основных функций сайта, позволяющие выводить информацию о сотрудниках, показывать новости кафедры, а также распределять учебную нагрузку</a:t>
+            </a:r>
+          </a:p>
+          <a:p>
+            <a:r>
+              <a:rPr lang="ru-RU" dirty="0" smtClean="0"/>
+              <a:t>Разработан интерфейс веб-сайта</a:t>
+            </a:r>
+          </a:p>
+          <a:p>
+            <a:pPr marL="0" indent="0">
+              <a:buNone/>
+            </a:pPr>
             <a:endParaRPr lang="ru-RU" dirty="0"/>
           </a:p>
         </p:txBody>
@@ -19278,39 +19288,53 @@
           <a:bodyPr/>
           <a:lstStyle/>
           <a:p>
+            <a:pPr marL="0" indent="0">
+              <a:buNone/>
+            </a:pPr>
             <a:r>
               <a:rPr lang="ru-RU" dirty="0" smtClean="0"/>
-              <a:t>Сайт позволяет: </a:t>
+              <a:t>Необходимые критерии сайта: </a:t>
             </a:r>
           </a:p>
           <a:p>
-            <a:pPr lvl="1"/>
+            <a:pPr lvl="0"/>
             <a:r>
-              <a:rPr lang="ru-RU" dirty="0" smtClean="0"/>
-              <a:t>Быстро доносить информацию широкому кругу лиц</a:t>
+              <a:rPr lang="ru-RU" dirty="0"/>
+              <a:t>Иметь удобное представление информации</a:t>
             </a:r>
           </a:p>
           <a:p>
-            <a:pPr lvl="1"/>
+            <a:pPr lvl="0"/>
             <a:r>
-              <a:rPr lang="ru-RU" dirty="0" smtClean="0"/>
-              <a:t>Организовать обратную связь с посетителями</a:t>
+              <a:rPr lang="ru-RU" dirty="0"/>
+              <a:t>Иметь удобное редактирование информации</a:t>
             </a:r>
           </a:p>
           <a:p>
-            <a:pPr lvl="1"/>
+            <a:pPr lvl="0"/>
             <a:r>
-              <a:rPr lang="ru-RU" dirty="0" smtClean="0"/>
-              <a:t>Привлечь новых участников</a:t>
+              <a:rPr lang="ru-RU" dirty="0"/>
+              <a:t>Быть быстро действенным</a:t>
             </a:r>
           </a:p>
           <a:p>
-            <a:pPr lvl="1"/>
+            <a:pPr lvl="0"/>
+            <a:r>
+              <a:rPr lang="ru-RU" dirty="0"/>
+              <a:t>Быть кроссплатформенным и </a:t>
+            </a:r>
+            <a:r>
+              <a:rPr lang="ru-RU" dirty="0" err="1"/>
+              <a:t>кроссбраузерным</a:t>
+            </a:r>
+            <a:endParaRPr lang="ru-RU" dirty="0"/>
+          </a:p>
+          <a:p>
+            <a:pPr lvl="0"/>
             <a:r>
               <a:rPr lang="ru-RU" dirty="0"/>
               <a:t>Автоматизировать длительные по времени и регулярно проводимые операции</a:t>
             </a:r>
-            <a:endParaRPr lang="ru-RU" dirty="0" smtClean="0"/>
           </a:p>
         </p:txBody>
       </p:sp>
@@ -19336,6 +19360,13 @@
       </p:transition>
     </mc:Fallback>
   </mc:AlternateContent>
+  <p:timing>
+    <p:tnLst>
+      <p:par>
+        <p:cTn id="1" dur="indefinite" restart="never" nodeType="tmRoot"/>
+      </p:par>
+    </p:tnLst>
+  </p:timing>
 </p:sld>
 </file>
 
@@ -19406,17 +19437,8 @@
             </a:r>
             <a:r>
               <a:rPr lang="ru-RU" dirty="0" smtClean="0"/>
-              <a:t> является разработка информационного сайта кафедры МО ЭВМ с использованием платформы </a:t>
+              <a:t> является разработка информационного сайта кафедры МО ЭВМ</a:t>
             </a:r>
-            <a:r>
-              <a:rPr lang="en-US" dirty="0"/>
-              <a:t>ASP.NET MVC </a:t>
-            </a:r>
-            <a:r>
-              <a:rPr lang="en-US" dirty="0" smtClean="0"/>
-              <a:t>5</a:t>
-            </a:r>
-            <a:endParaRPr lang="ru-RU" dirty="0" smtClean="0"/>
           </a:p>
           <a:p>
             <a:pPr marL="0" indent="0">
@@ -19424,9 +19446,16 @@
             </a:pPr>
             <a:r>
               <a:rPr lang="ru-RU" dirty="0" smtClean="0"/>
-              <a:t>Достижение указанной цели осуществлялось путём решения следующих задач:</a:t>
+              <a:t>Для достижения цели необходимо решение следующих задач:</a:t>
             </a:r>
             <a:endParaRPr lang="en-US" dirty="0" smtClean="0"/>
+          </a:p>
+          <a:p>
+            <a:pPr rtl="0"/>
+            <a:r>
+              <a:rPr lang="ru-RU" dirty="0" smtClean="0"/>
+              <a:t>Анализ и выбор средств разработки</a:t>
+            </a:r>
           </a:p>
           <a:p>
             <a:pPr rtl="0"/>
@@ -19439,7 +19468,7 @@
             <a:pPr rtl="0"/>
             <a:r>
               <a:rPr lang="ru-RU" dirty="0" smtClean="0"/>
-              <a:t>Разработка структуры и создание базы данных</a:t>
+              <a:t>Разработка структуры и создание базы данных </a:t>
             </a:r>
           </a:p>
           <a:p>
@@ -19453,7 +19482,7 @@
             <a:pPr rtl="0"/>
             <a:r>
               <a:rPr lang="ru-RU" dirty="0" smtClean="0"/>
-              <a:t>Оформление и стилизация веб-сайта</a:t>
+              <a:t>Разработать интерфейс для взаимодействия пользователей с веб-сайтом</a:t>
             </a:r>
           </a:p>
           <a:p>
@@ -19495,6 +19524,167 @@
 </file>
 
 <file path=ppt/slides/slide4.xml><?xml version="1.0" encoding="utf-8"?>
+<p:sld xmlns:a="http://schemas.openxmlformats.org/drawingml/2006/main" xmlns:r="http://schemas.openxmlformats.org/officeDocument/2006/relationships" xmlns:p="http://schemas.openxmlformats.org/presentationml/2006/main">
+  <p:cSld>
+    <p:spTree>
+      <p:nvGrpSpPr>
+        <p:cNvPr id="1" name=""/>
+        <p:cNvGrpSpPr/>
+        <p:nvPr/>
+      </p:nvGrpSpPr>
+      <p:grpSpPr>
+        <a:xfrm>
+          <a:off x="0" y="0"/>
+          <a:ext cx="0" cy="0"/>
+          <a:chOff x="0" y="0"/>
+          <a:chExt cx="0" cy="0"/>
+        </a:xfrm>
+      </p:grpSpPr>
+      <p:sp>
+        <p:nvSpPr>
+          <p:cNvPr id="5" name="Заголовок 4"/>
+          <p:cNvSpPr>
+            <a:spLocks noGrp="1"/>
+          </p:cNvSpPr>
+          <p:nvPr>
+            <p:ph type="title"/>
+          </p:nvPr>
+        </p:nvSpPr>
+        <p:spPr/>
+        <p:txBody>
+          <a:bodyPr/>
+          <a:lstStyle/>
+          <a:p>
+            <a:r>
+              <a:rPr lang="ru-RU" dirty="0" smtClean="0"/>
+              <a:t>Средства разработки</a:t>
+            </a:r>
+            <a:endParaRPr lang="ru-RU" dirty="0"/>
+          </a:p>
+        </p:txBody>
+      </p:sp>
+      <p:pic>
+        <p:nvPicPr>
+          <p:cNvPr id="7" name="Объект 6"/>
+          <p:cNvPicPr>
+            <a:picLocks noGrp="1" noChangeAspect="1"/>
+          </p:cNvPicPr>
+          <p:nvPr>
+            <p:ph idx="1"/>
+          </p:nvPr>
+        </p:nvPicPr>
+        <p:blipFill>
+          <a:blip r:embed="rId2">
+            <a:extLst>
+              <a:ext uri="{28A0092B-C50C-407E-A947-70E740481C1C}">
+                <a14:useLocalDpi xmlns:a14="http://schemas.microsoft.com/office/drawing/2010/main" val="0"/>
+              </a:ext>
+            </a:extLst>
+          </a:blip>
+          <a:stretch>
+            <a:fillRect/>
+          </a:stretch>
+        </p:blipFill>
+        <p:spPr>
+          <a:xfrm>
+            <a:off x="1295400" y="2489508"/>
+            <a:ext cx="3609109" cy="2156443"/>
+          </a:xfrm>
+        </p:spPr>
+      </p:pic>
+      <p:pic>
+        <p:nvPicPr>
+          <p:cNvPr id="8" name="Рисунок 7"/>
+          <p:cNvPicPr>
+            <a:picLocks noChangeAspect="1"/>
+          </p:cNvPicPr>
+          <p:nvPr/>
+        </p:nvPicPr>
+        <p:blipFill>
+          <a:blip r:embed="rId3">
+            <a:extLst>
+              <a:ext uri="{28A0092B-C50C-407E-A947-70E740481C1C}">
+                <a14:useLocalDpi xmlns:a14="http://schemas.microsoft.com/office/drawing/2010/main" val="0"/>
+              </a:ext>
+            </a:extLst>
+          </a:blip>
+          <a:stretch>
+            <a:fillRect/>
+          </a:stretch>
+        </p:blipFill>
+        <p:spPr>
+          <a:xfrm>
+            <a:off x="4904510" y="2489508"/>
+            <a:ext cx="2875258" cy="2156443"/>
+          </a:xfrm>
+          <a:prstGeom prst="rect">
+            <a:avLst/>
+          </a:prstGeom>
+        </p:spPr>
+      </p:pic>
+      <p:pic>
+        <p:nvPicPr>
+          <p:cNvPr id="14" name="Рисунок 13"/>
+          <p:cNvPicPr>
+            <a:picLocks noChangeAspect="1"/>
+          </p:cNvPicPr>
+          <p:nvPr/>
+        </p:nvPicPr>
+        <p:blipFill>
+          <a:blip r:embed="rId4">
+            <a:extLst>
+              <a:ext uri="{28A0092B-C50C-407E-A947-70E740481C1C}">
+                <a14:useLocalDpi xmlns:a14="http://schemas.microsoft.com/office/drawing/2010/main" val="0"/>
+              </a:ext>
+            </a:extLst>
+          </a:blip>
+          <a:stretch>
+            <a:fillRect/>
+          </a:stretch>
+        </p:blipFill>
+        <p:spPr>
+          <a:xfrm>
+            <a:off x="8004212" y="2489508"/>
+            <a:ext cx="2661017" cy="2155424"/>
+          </a:xfrm>
+          <a:prstGeom prst="rect">
+            <a:avLst/>
+          </a:prstGeom>
+        </p:spPr>
+      </p:pic>
+    </p:spTree>
+    <p:extLst>
+      <p:ext uri="{BB962C8B-B14F-4D97-AF65-F5344CB8AC3E}">
+        <p14:creationId xmlns:p14="http://schemas.microsoft.com/office/powerpoint/2010/main" val="4101089015"/>
+      </p:ext>
+    </p:extLst>
+  </p:cSld>
+  <p:clrMapOvr>
+    <a:masterClrMapping/>
+  </p:clrMapOvr>
+  <mc:AlternateContent xmlns:mc="http://schemas.openxmlformats.org/markup-compatibility/2006" xmlns:p14="http://schemas.microsoft.com/office/powerpoint/2010/main">
+    <mc:Choice Requires="p14">
+      <p:transition spd="med" p14:dur="700">
+        <p:fade/>
+      </p:transition>
+    </mc:Choice>
+    <mc:Fallback xmlns="">
+      <p:transition spd="med">
+        <p:fade/>
+      </p:transition>
+    </mc:Fallback>
+  </mc:AlternateContent>
+  <p:timing>
+    <p:tnLst>
+      <p:par>
+        <p:cTn id="1" dur="indefinite" restart="never" nodeType="tmRoot"/>
+      </p:par>
+    </p:tnLst>
+  </p:timing>
+</p:sld>
+</file>
+
+<file path=ppt/slides/slide5.xml><?xml version="1.0" encoding="utf-8"?>
 <p:sld xmlns:a="http://schemas.openxmlformats.org/drawingml/2006/main" xmlns:r="http://schemas.openxmlformats.org/officeDocument/2006/relationships" xmlns:p="http://schemas.openxmlformats.org/presentationml/2006/main">
   <p:cSld>
     <p:spTree>
@@ -19604,127 +19794,13 @@
       </p:transition>
     </mc:Fallback>
   </mc:AlternateContent>
-</p:sld>
-</file>
-
-<file path=ppt/slides/slide5.xml><?xml version="1.0" encoding="utf-8"?>
-<p:sld xmlns:a="http://schemas.openxmlformats.org/drawingml/2006/main" xmlns:r="http://schemas.openxmlformats.org/officeDocument/2006/relationships" xmlns:p="http://schemas.openxmlformats.org/presentationml/2006/main">
-  <p:cSld>
-    <p:spTree>
-      <p:nvGrpSpPr>
-        <p:cNvPr id="1" name=""/>
-        <p:cNvGrpSpPr/>
-        <p:nvPr/>
-      </p:nvGrpSpPr>
-      <p:grpSpPr>
-        <a:xfrm>
-          <a:off x="0" y="0"/>
-          <a:ext cx="0" cy="0"/>
-          <a:chOff x="0" y="0"/>
-          <a:chExt cx="0" cy="0"/>
-        </a:xfrm>
-      </p:grpSpPr>
-      <p:sp>
-        <p:nvSpPr>
-          <p:cNvPr id="2" name="Заголовок 1"/>
-          <p:cNvSpPr>
-            <a:spLocks noGrp="1"/>
-          </p:cNvSpPr>
-          <p:nvPr>
-            <p:ph type="title"/>
-          </p:nvPr>
-        </p:nvSpPr>
-        <p:spPr/>
-        <p:txBody>
-          <a:bodyPr/>
-          <a:lstStyle/>
-          <a:p>
-            <a:endParaRPr lang="ru-RU"/>
-          </a:p>
-        </p:txBody>
-      </p:sp>
-      <p:sp>
-        <p:nvSpPr>
-          <p:cNvPr id="3" name="Объект 2"/>
-          <p:cNvSpPr>
-            <a:spLocks noGrp="1"/>
-          </p:cNvSpPr>
-          <p:nvPr>
-            <p:ph idx="1"/>
-          </p:nvPr>
-        </p:nvSpPr>
-        <p:spPr/>
-        <p:txBody>
-          <a:bodyPr/>
-          <a:lstStyle/>
-          <a:p>
-            <a:r>
-              <a:rPr lang="ru-RU" dirty="0" smtClean="0"/>
-              <a:t>Как это реализовано</a:t>
-            </a:r>
-          </a:p>
-          <a:p>
-            <a:r>
-              <a:rPr lang="ru-RU" dirty="0" smtClean="0"/>
-              <a:t>Указать почему выбрана технология</a:t>
-            </a:r>
-          </a:p>
-          <a:p>
-            <a:r>
-              <a:rPr lang="ru-RU" dirty="0" smtClean="0"/>
-              <a:t>Выбор программных средств и почему</a:t>
-            </a:r>
-          </a:p>
-          <a:p>
-            <a:r>
-              <a:rPr lang="ru-RU" dirty="0" smtClean="0"/>
-              <a:t>Объединить с 6</a:t>
-            </a:r>
-            <a:endParaRPr lang="ru-RU" dirty="0"/>
-          </a:p>
-        </p:txBody>
-      </p:sp>
-      <p:sp>
-        <p:nvSpPr>
-          <p:cNvPr id="4" name="Текст 3"/>
-          <p:cNvSpPr>
-            <a:spLocks noGrp="1"/>
-          </p:cNvSpPr>
-          <p:nvPr>
-            <p:ph type="body" sz="half" idx="2"/>
-          </p:nvPr>
-        </p:nvSpPr>
-        <p:spPr/>
-        <p:txBody>
-          <a:bodyPr/>
-          <a:lstStyle/>
-          <a:p>
-            <a:endParaRPr lang="ru-RU"/>
-          </a:p>
-        </p:txBody>
-      </p:sp>
-    </p:spTree>
-    <p:extLst>
-      <p:ext uri="{BB962C8B-B14F-4D97-AF65-F5344CB8AC3E}">
-        <p14:creationId xmlns:p14="http://schemas.microsoft.com/office/powerpoint/2010/main" val="4101089015"/>
-      </p:ext>
-    </p:extLst>
-  </p:cSld>
-  <p:clrMapOvr>
-    <a:masterClrMapping/>
-  </p:clrMapOvr>
-  <mc:AlternateContent xmlns:mc="http://schemas.openxmlformats.org/markup-compatibility/2006" xmlns:p14="http://schemas.microsoft.com/office/powerpoint/2010/main">
-    <mc:Choice Requires="p14">
-      <p:transition spd="med" p14:dur="700">
-        <p:fade/>
-      </p:transition>
-    </mc:Choice>
-    <mc:Fallback xmlns="">
-      <p:transition spd="med">
-        <p:fade/>
-      </p:transition>
-    </mc:Fallback>
-  </mc:AlternateContent>
+  <p:timing>
+    <p:tnLst>
+      <p:par>
+        <p:cTn id="1" dur="indefinite" restart="never" nodeType="tmRoot"/>
+      </p:par>
+    </p:tnLst>
+  </p:timing>
 </p:sld>
 </file>
 
@@ -20469,109 +20545,6 @@
         </p:nvSpPr>
         <p:spPr/>
         <p:txBody>
-          <a:bodyPr/>
-          <a:lstStyle/>
-          <a:p>
-            <a:pPr algn="ctr"/>
-            <a:r>
-              <a:rPr lang="ru-RU" dirty="0" smtClean="0"/>
-              <a:t>Создание </a:t>
-            </a:r>
-            <a:r>
-              <a:rPr lang="ru-RU" dirty="0" smtClean="0"/>
-              <a:t>контроллеров и их методов</a:t>
-            </a:r>
-            <a:endParaRPr lang="ru-RU" dirty="0"/>
-          </a:p>
-        </p:txBody>
-      </p:sp>
-      <p:pic>
-        <p:nvPicPr>
-          <p:cNvPr id="4" name="Объект 3"/>
-          <p:cNvPicPr>
-            <a:picLocks noGrp="1" noChangeAspect="1"/>
-          </p:cNvPicPr>
-          <p:nvPr>
-            <p:ph idx="1"/>
-          </p:nvPr>
-        </p:nvPicPr>
-        <p:blipFill>
-          <a:blip r:embed="rId2"/>
-          <a:stretch>
-            <a:fillRect/>
-          </a:stretch>
-        </p:blipFill>
-        <p:spPr>
-          <a:xfrm>
-            <a:off x="2519362" y="2091603"/>
-            <a:ext cx="7153275" cy="2924175"/>
-          </a:xfrm>
-          <a:prstGeom prst="rect">
-            <a:avLst/>
-          </a:prstGeom>
-        </p:spPr>
-      </p:pic>
-    </p:spTree>
-    <p:extLst>
-      <p:ext uri="{BB962C8B-B14F-4D97-AF65-F5344CB8AC3E}">
-        <p14:creationId xmlns:p14="http://schemas.microsoft.com/office/powerpoint/2010/main" val="281444199"/>
-      </p:ext>
-    </p:extLst>
-  </p:cSld>
-  <p:clrMapOvr>
-    <a:masterClrMapping/>
-  </p:clrMapOvr>
-  <mc:AlternateContent xmlns:mc="http://schemas.openxmlformats.org/markup-compatibility/2006" xmlns:p14="http://schemas.microsoft.com/office/powerpoint/2010/main">
-    <mc:Choice Requires="p14">
-      <p:transition spd="med" p14:dur="700">
-        <p:fade/>
-      </p:transition>
-    </mc:Choice>
-    <mc:Fallback xmlns="">
-      <p:transition spd="med">
-        <p:fade/>
-      </p:transition>
-    </mc:Fallback>
-  </mc:AlternateContent>
-  <p:timing>
-    <p:tnLst>
-      <p:par>
-        <p:cTn id="1" dur="indefinite" restart="never" nodeType="tmRoot"/>
-      </p:par>
-    </p:tnLst>
-  </p:timing>
-</p:sld>
-</file>
-
-<file path=ppt/slides/slide8.xml><?xml version="1.0" encoding="utf-8"?>
-<p:sld xmlns:a="http://schemas.openxmlformats.org/drawingml/2006/main" xmlns:r="http://schemas.openxmlformats.org/officeDocument/2006/relationships" xmlns:p="http://schemas.openxmlformats.org/presentationml/2006/main">
-  <p:cSld>
-    <p:spTree>
-      <p:nvGrpSpPr>
-        <p:cNvPr id="1" name=""/>
-        <p:cNvGrpSpPr/>
-        <p:nvPr/>
-      </p:nvGrpSpPr>
-      <p:grpSpPr>
-        <a:xfrm>
-          <a:off x="0" y="0"/>
-          <a:ext cx="0" cy="0"/>
-          <a:chOff x="0" y="0"/>
-          <a:chExt cx="0" cy="0"/>
-        </a:xfrm>
-      </p:grpSpPr>
-      <p:sp>
-        <p:nvSpPr>
-          <p:cNvPr id="2" name="Заголовок 1"/>
-          <p:cNvSpPr>
-            <a:spLocks noGrp="1"/>
-          </p:cNvSpPr>
-          <p:nvPr>
-            <p:ph type="title"/>
-          </p:nvPr>
-        </p:nvSpPr>
-        <p:spPr/>
-        <p:txBody>
           <a:bodyPr rtlCol="0"/>
           <a:lstStyle/>
           <a:p>
@@ -20659,7 +20632,7 @@
 </p:sld>
 </file>
 
-<file path=ppt/slides/slide9.xml><?xml version="1.0" encoding="utf-8"?>
+<file path=ppt/slides/slide8.xml><?xml version="1.0" encoding="utf-8"?>
 <p:sld xmlns:a="http://schemas.openxmlformats.org/drawingml/2006/main" xmlns:r="http://schemas.openxmlformats.org/officeDocument/2006/relationships" xmlns:p="http://schemas.openxmlformats.org/presentationml/2006/main">
   <p:cSld>
     <p:spTree>
@@ -20691,123 +20664,43 @@
           <a:bodyPr/>
           <a:lstStyle/>
           <a:p>
+            <a:pPr algn="ctr"/>
             <a:r>
               <a:rPr lang="ru-RU" dirty="0" smtClean="0"/>
-              <a:t>Распределение нагрузки</a:t>
+              <a:t>Создание контроллеров и их методов</a:t>
             </a:r>
             <a:endParaRPr lang="ru-RU" dirty="0"/>
           </a:p>
         </p:txBody>
       </p:sp>
-      <p:sp>
-        <p:nvSpPr>
-          <p:cNvPr id="3" name="Объект 2"/>
-          <p:cNvSpPr>
-            <a:spLocks noGrp="1"/>
-          </p:cNvSpPr>
-          <p:nvPr>
-            <p:ph idx="1"/>
-          </p:nvPr>
-        </p:nvSpPr>
-        <p:spPr/>
-        <p:txBody>
-          <a:bodyPr/>
-          <a:lstStyle/>
-          <a:p>
-            <a:r>
-              <a:rPr lang="ru-RU" dirty="0" smtClean="0"/>
-              <a:t>Для решения задачи распределения нагрузки необходимо решить 2 проблемы: </a:t>
-            </a:r>
-          </a:p>
-          <a:p>
-            <a:pPr marL="457200" indent="-457200">
-              <a:buFont typeface="+mj-lt"/>
-              <a:buAutoNum type="arabicPeriod"/>
-            </a:pPr>
-            <a:r>
-              <a:rPr lang="ru-RU" dirty="0" smtClean="0"/>
-              <a:t>задачу получения данных из таблицы </a:t>
-            </a:r>
-            <a:r>
-              <a:rPr lang="en-US" dirty="0" smtClean="0"/>
-              <a:t>Excel </a:t>
-            </a:r>
-            <a:r>
-              <a:rPr lang="ru-RU" dirty="0" smtClean="0"/>
-              <a:t> </a:t>
-            </a:r>
-          </a:p>
-          <a:p>
-            <a:pPr marL="457200" indent="-457200">
-              <a:buFont typeface="+mj-lt"/>
-              <a:buAutoNum type="arabicPeriod"/>
-            </a:pPr>
-            <a:r>
-              <a:rPr lang="ru-RU" dirty="0" smtClean="0"/>
-              <a:t>задачу распределения нагрузки</a:t>
-            </a:r>
-          </a:p>
-          <a:p>
-            <a:pPr marL="0" indent="0">
-              <a:buNone/>
-            </a:pPr>
-            <a:r>
-              <a:rPr lang="ru-RU" dirty="0"/>
-              <a:t> </a:t>
-            </a:r>
-            <a:r>
-              <a:rPr lang="ru-RU" dirty="0" smtClean="0"/>
-              <a:t>Для правильной выборки данных из таблицы используется </a:t>
-            </a:r>
-            <a:r>
-              <a:rPr lang="ru-RU" dirty="0" err="1" smtClean="0"/>
-              <a:t>фреймворк</a:t>
-            </a:r>
-            <a:r>
-              <a:rPr lang="ru-RU" dirty="0" smtClean="0"/>
-              <a:t> «</a:t>
-            </a:r>
-            <a:r>
-              <a:rPr lang="en-US" dirty="0"/>
-              <a:t>C</a:t>
-            </a:r>
-            <a:r>
-              <a:rPr lang="en-US" dirty="0" smtClean="0"/>
-              <a:t>losed XML</a:t>
-            </a:r>
-            <a:r>
-              <a:rPr lang="ru-RU" dirty="0" smtClean="0"/>
-              <a:t>»</a:t>
-            </a:r>
-          </a:p>
-          <a:p>
-            <a:pPr marL="0" indent="0">
-              <a:buNone/>
-            </a:pPr>
-            <a:r>
-              <a:rPr lang="ru-RU" dirty="0" smtClean="0"/>
-              <a:t>объединить</a:t>
-            </a:r>
-            <a:endParaRPr lang="ru-RU" dirty="0" smtClean="0"/>
-          </a:p>
-          <a:p>
-            <a:pPr marL="0" indent="0">
-              <a:buNone/>
-            </a:pPr>
-            <a:endParaRPr lang="en-US" dirty="0" smtClean="0"/>
-          </a:p>
-          <a:p>
-            <a:pPr marL="0" indent="0">
-              <a:buNone/>
-            </a:pPr>
-            <a:endParaRPr lang="ru-RU" dirty="0"/>
-          </a:p>
-        </p:txBody>
-      </p:sp>
+      <p:pic>
+        <p:nvPicPr>
+          <p:cNvPr id="5" name="Рисунок 4"/>
+          <p:cNvPicPr>
+            <a:picLocks noChangeAspect="1"/>
+          </p:cNvPicPr>
+          <p:nvPr/>
+        </p:nvPicPr>
+        <p:blipFill>
+          <a:blip r:embed="rId2"/>
+          <a:stretch>
+            <a:fillRect/>
+          </a:stretch>
+        </p:blipFill>
+        <p:spPr>
+          <a:xfrm>
+            <a:off x="2619375" y="2095500"/>
+            <a:ext cx="6953250" cy="2667000"/>
+          </a:xfrm>
+          <a:prstGeom prst="rect">
+            <a:avLst/>
+          </a:prstGeom>
+        </p:spPr>
+      </p:pic>
     </p:spTree>
     <p:extLst>
       <p:ext uri="{BB962C8B-B14F-4D97-AF65-F5344CB8AC3E}">
-        <p14:creationId xmlns:p14="http://schemas.microsoft.com/office/powerpoint/2010/main" val="3979675381"/>
+        <p14:creationId xmlns:p14="http://schemas.microsoft.com/office/powerpoint/2010/main" val="281444199"/>
       </p:ext>
     </p:extLst>
   </p:cSld>
@@ -20826,6 +20719,422 @@
       </p:transition>
     </mc:Fallback>
   </mc:AlternateContent>
+  <p:timing>
+    <p:tnLst>
+      <p:par>
+        <p:cTn id="1" dur="indefinite" restart="never" nodeType="tmRoot"/>
+      </p:par>
+    </p:tnLst>
+  </p:timing>
+</p:sld>
+</file>
+
+<file path=ppt/slides/slide9.xml><?xml version="1.0" encoding="utf-8"?>
+<p:sld xmlns:a="http://schemas.openxmlformats.org/drawingml/2006/main" xmlns:r="http://schemas.openxmlformats.org/officeDocument/2006/relationships" xmlns:p="http://schemas.openxmlformats.org/presentationml/2006/main">
+  <p:cSld>
+    <p:spTree>
+      <p:nvGrpSpPr>
+        <p:cNvPr id="1" name=""/>
+        <p:cNvGrpSpPr/>
+        <p:nvPr/>
+      </p:nvGrpSpPr>
+      <p:grpSpPr>
+        <a:xfrm>
+          <a:off x="0" y="0"/>
+          <a:ext cx="0" cy="0"/>
+          <a:chOff x="0" y="0"/>
+          <a:chExt cx="0" cy="0"/>
+        </a:xfrm>
+      </p:grpSpPr>
+      <p:sp>
+        <p:nvSpPr>
+          <p:cNvPr id="2" name="Заголовок 1"/>
+          <p:cNvSpPr>
+            <a:spLocks noGrp="1"/>
+          </p:cNvSpPr>
+          <p:nvPr>
+            <p:ph type="title"/>
+          </p:nvPr>
+        </p:nvSpPr>
+        <p:spPr/>
+        <p:txBody>
+          <a:bodyPr>
+            <a:normAutofit fontScale="90000"/>
+          </a:bodyPr>
+          <a:lstStyle/>
+          <a:p>
+            <a:pPr algn="ctr"/>
+            <a:r>
+              <a:rPr lang="ru-RU" dirty="0" smtClean="0"/>
+              <a:t> Задача распределения учебной нагрузки </a:t>
+            </a:r>
+            <a:r>
+              <a:rPr lang="ru-RU" dirty="0"/>
+              <a:t>между преподавателями на основе учебного плана</a:t>
+            </a:r>
+          </a:p>
+        </p:txBody>
+      </p:sp>
+      <p:graphicFrame>
+        <p:nvGraphicFramePr>
+          <p:cNvPr id="8" name="Таблица 7"/>
+          <p:cNvGraphicFramePr>
+            <a:graphicFrameLocks noGrp="1"/>
+          </p:cNvGraphicFramePr>
+          <p:nvPr>
+            <p:extLst>
+              <p:ext uri="{D42A27DB-BD31-4B8C-83A1-F6EECF244321}">
+                <p14:modId xmlns:p14="http://schemas.microsoft.com/office/powerpoint/2010/main" val="476034696"/>
+              </p:ext>
+            </p:extLst>
+          </p:nvPr>
+        </p:nvGraphicFramePr>
+        <p:xfrm>
+          <a:off x="1295400" y="1646239"/>
+          <a:ext cx="9601200" cy="4388801"/>
+        </p:xfrm>
+        <a:graphic>
+          <a:graphicData uri="http://schemas.openxmlformats.org/drawingml/2006/table">
+            <a:tbl>
+              <a:tblPr firstRow="1" bandRow="1">
+                <a:tableStyleId>{BC89EF96-8CEA-46FF-86C4-4CE0E7609802}</a:tableStyleId>
+              </a:tblPr>
+              <a:tblGrid>
+                <a:gridCol w="4860265">
+                  <a:extLst>
+                    <a:ext uri="{9D8B030D-6E8A-4147-A177-3AD203B41FA5}">
+                      <a16:colId xmlns:a16="http://schemas.microsoft.com/office/drawing/2014/main" val="3795115927"/>
+                    </a:ext>
+                  </a:extLst>
+                </a:gridCol>
+                <a:gridCol w="4740935">
+                  <a:extLst>
+                    <a:ext uri="{9D8B030D-6E8A-4147-A177-3AD203B41FA5}">
+                      <a16:colId xmlns:a16="http://schemas.microsoft.com/office/drawing/2014/main" val="2295962260"/>
+                    </a:ext>
+                  </a:extLst>
+                </a:gridCol>
+              </a:tblGrid>
+              <a:tr h="457273">
+                <a:tc>
+                  <a:txBody>
+                    <a:bodyPr/>
+                    <a:lstStyle/>
+                    <a:p>
+                      <a:pPr marL="0" marR="0" indent="0" algn="l" defTabSz="914400" rtl="0" eaLnBrk="1" fontAlgn="auto" latinLnBrk="0" hangingPunct="1">
+                        <a:lnSpc>
+                          <a:spcPct val="100000"/>
+                        </a:lnSpc>
+                        <a:spcBef>
+                          <a:spcPts val="0"/>
+                        </a:spcBef>
+                        <a:spcAft>
+                          <a:spcPts val="0"/>
+                        </a:spcAft>
+                        <a:buClrTx/>
+                        <a:buSzTx/>
+                        <a:buFontTx/>
+                        <a:buNone/>
+                        <a:tabLst/>
+                        <a:defRPr/>
+                      </a:pPr>
+                      <a:r>
+                        <a:rPr lang="ru-RU" dirty="0" smtClean="0"/>
+                        <a:t>Автоматический режим</a:t>
+                      </a:r>
+                    </a:p>
+                  </a:txBody>
+                  <a:tcPr/>
+                </a:tc>
+                <a:tc>
+                  <a:txBody>
+                    <a:bodyPr/>
+                    <a:lstStyle/>
+                    <a:p>
+                      <a:pPr marL="0" marR="0" indent="0" algn="l" defTabSz="914400" rtl="0" eaLnBrk="1" fontAlgn="auto" latinLnBrk="0" hangingPunct="1">
+                        <a:lnSpc>
+                          <a:spcPct val="100000"/>
+                        </a:lnSpc>
+                        <a:spcBef>
+                          <a:spcPts val="0"/>
+                        </a:spcBef>
+                        <a:spcAft>
+                          <a:spcPts val="0"/>
+                        </a:spcAft>
+                        <a:buClrTx/>
+                        <a:buSzTx/>
+                        <a:buFontTx/>
+                        <a:buNone/>
+                        <a:tabLst/>
+                        <a:defRPr/>
+                      </a:pPr>
+                      <a:r>
+                        <a:rPr lang="ru-RU" dirty="0" smtClean="0"/>
+                        <a:t>Ручной режим</a:t>
+                      </a:r>
+                    </a:p>
+                  </a:txBody>
+                  <a:tcPr/>
+                </a:tc>
+                <a:extLst>
+                  <a:ext uri="{0D108BD9-81ED-4DB2-BD59-A6C34878D82A}">
+                    <a16:rowId xmlns:a16="http://schemas.microsoft.com/office/drawing/2014/main" val="2443544684"/>
+                  </a:ext>
+                </a:extLst>
+              </a:tr>
+              <a:tr h="457273">
+                <a:tc gridSpan="2">
+                  <a:txBody>
+                    <a:bodyPr/>
+                    <a:lstStyle/>
+                    <a:p>
+                      <a:pPr marL="0" marR="0" indent="0" algn="l" defTabSz="914400" rtl="0" eaLnBrk="1" fontAlgn="auto" latinLnBrk="0" hangingPunct="1">
+                        <a:lnSpc>
+                          <a:spcPct val="100000"/>
+                        </a:lnSpc>
+                        <a:spcBef>
+                          <a:spcPts val="0"/>
+                        </a:spcBef>
+                        <a:spcAft>
+                          <a:spcPts val="0"/>
+                        </a:spcAft>
+                        <a:buClrTx/>
+                        <a:buSzTx/>
+                        <a:buFontTx/>
+                        <a:buNone/>
+                        <a:tabLst/>
+                        <a:defRPr/>
+                      </a:pPr>
+                      <a:r>
+                        <a:rPr lang="ru-RU" dirty="0" smtClean="0"/>
+                        <a:t>Входные данные:</a:t>
+                      </a:r>
+                    </a:p>
+                  </a:txBody>
+                  <a:tcPr/>
+                </a:tc>
+                <a:tc hMerge="1">
+                  <a:txBody>
+                    <a:bodyPr/>
+                    <a:lstStyle/>
+                    <a:p>
+                      <a:endParaRPr lang="ru-RU"/>
+                    </a:p>
+                  </a:txBody>
+                  <a:tcPr/>
+                </a:tc>
+                <a:extLst>
+                  <a:ext uri="{0D108BD9-81ED-4DB2-BD59-A6C34878D82A}">
+                    <a16:rowId xmlns:a16="http://schemas.microsoft.com/office/drawing/2014/main" val="2217529710"/>
+                  </a:ext>
+                </a:extLst>
+              </a:tr>
+              <a:tr h="849223">
+                <a:tc gridSpan="2">
+                  <a:txBody>
+                    <a:bodyPr/>
+                    <a:lstStyle/>
+                    <a:p>
+                      <a:pPr marL="285750" indent="-285750" algn="ctr">
+                        <a:buFont typeface="Arial" panose="020B0604020202020204" pitchFamily="34" charset="0"/>
+                        <a:buChar char="•"/>
+                      </a:pPr>
+                      <a:r>
+                        <a:rPr lang="ru-RU" dirty="0" smtClean="0"/>
+                        <a:t>Учебный план в формате таблицы </a:t>
+                      </a:r>
+                      <a:r>
+                        <a:rPr lang="en-US" dirty="0" smtClean="0"/>
+                        <a:t>Excel </a:t>
+                      </a:r>
+                    </a:p>
+                    <a:p>
+                      <a:pPr marL="285750" indent="-285750" algn="ctr">
+                        <a:buFont typeface="Arial" panose="020B0604020202020204" pitchFamily="34" charset="0"/>
+                        <a:buChar char="•"/>
+                      </a:pPr>
+                      <a:r>
+                        <a:rPr lang="ru-RU" dirty="0" smtClean="0"/>
+                        <a:t>Данные о количестве потоков, групп и подгрупп</a:t>
+                      </a:r>
+                    </a:p>
+                  </a:txBody>
+                  <a:tcPr/>
+                </a:tc>
+                <a:tc hMerge="1">
+                  <a:txBody>
+                    <a:bodyPr/>
+                    <a:lstStyle/>
+                    <a:p>
+                      <a:endParaRPr lang="ru-RU" dirty="0"/>
+                    </a:p>
+                  </a:txBody>
+                  <a:tcPr/>
+                </a:tc>
+                <a:extLst>
+                  <a:ext uri="{0D108BD9-81ED-4DB2-BD59-A6C34878D82A}">
+                    <a16:rowId xmlns:a16="http://schemas.microsoft.com/office/drawing/2014/main" val="1917380108"/>
+                  </a:ext>
+                </a:extLst>
+              </a:tr>
+              <a:tr h="1694339">
+                <a:tc>
+                  <a:txBody>
+                    <a:bodyPr/>
+                    <a:lstStyle/>
+                    <a:p>
+                      <a:pPr marL="285750" marR="0" indent="-285750" algn="l" defTabSz="914400" rtl="0" eaLnBrk="1" fontAlgn="auto" latinLnBrk="0" hangingPunct="1">
+                        <a:lnSpc>
+                          <a:spcPct val="100000"/>
+                        </a:lnSpc>
+                        <a:spcBef>
+                          <a:spcPts val="0"/>
+                        </a:spcBef>
+                        <a:spcAft>
+                          <a:spcPts val="0"/>
+                        </a:spcAft>
+                        <a:buClrTx/>
+                        <a:buSzTx/>
+                        <a:buFont typeface="Arial" panose="020B0604020202020204" pitchFamily="34" charset="0"/>
+                        <a:buChar char="•"/>
+                        <a:tabLst/>
+                        <a:defRPr/>
+                      </a:pPr>
+                      <a:r>
+                        <a:rPr lang="ru-RU" dirty="0" smtClean="0"/>
+                        <a:t>Таблица, содержащая информацию о предмете, преподавателе который его ведет и предпочтения преподавателя по ведению дисциплин. </a:t>
+                      </a:r>
+                    </a:p>
+                  </a:txBody>
+                  <a:tcPr/>
+                </a:tc>
+                <a:tc>
+                  <a:txBody>
+                    <a:bodyPr/>
+                    <a:lstStyle/>
+                    <a:p>
+                      <a:endParaRPr lang="ru-RU" dirty="0"/>
+                    </a:p>
+                  </a:txBody>
+                  <a:tcPr/>
+                </a:tc>
+                <a:extLst>
+                  <a:ext uri="{0D108BD9-81ED-4DB2-BD59-A6C34878D82A}">
+                    <a16:rowId xmlns:a16="http://schemas.microsoft.com/office/drawing/2014/main" val="4233600878"/>
+                  </a:ext>
+                </a:extLst>
+              </a:tr>
+              <a:tr h="457273">
+                <a:tc gridSpan="2">
+                  <a:txBody>
+                    <a:bodyPr/>
+                    <a:lstStyle/>
+                    <a:p>
+                      <a:pPr marL="0" marR="0" indent="0" algn="l" defTabSz="914400" rtl="0" eaLnBrk="1" fontAlgn="auto" latinLnBrk="0" hangingPunct="1">
+                        <a:lnSpc>
+                          <a:spcPct val="100000"/>
+                        </a:lnSpc>
+                        <a:spcBef>
+                          <a:spcPts val="0"/>
+                        </a:spcBef>
+                        <a:spcAft>
+                          <a:spcPts val="0"/>
+                        </a:spcAft>
+                        <a:buClrTx/>
+                        <a:buSzTx/>
+                        <a:buFontTx/>
+                        <a:buNone/>
+                        <a:tabLst/>
+                        <a:defRPr/>
+                      </a:pPr>
+                      <a:r>
+                        <a:rPr lang="ru-RU" dirty="0" smtClean="0"/>
+                        <a:t>Выходные данные:</a:t>
+                      </a:r>
+                    </a:p>
+                  </a:txBody>
+                  <a:tcPr/>
+                </a:tc>
+                <a:tc hMerge="1">
+                  <a:txBody>
+                    <a:bodyPr/>
+                    <a:lstStyle/>
+                    <a:p>
+                      <a:endParaRPr lang="ru-RU"/>
+                    </a:p>
+                  </a:txBody>
+                  <a:tcPr/>
+                </a:tc>
+                <a:extLst>
+                  <a:ext uri="{0D108BD9-81ED-4DB2-BD59-A6C34878D82A}">
+                    <a16:rowId xmlns:a16="http://schemas.microsoft.com/office/drawing/2014/main" val="2803912581"/>
+                  </a:ext>
+                </a:extLst>
+              </a:tr>
+              <a:tr h="473420">
+                <a:tc gridSpan="2">
+                  <a:txBody>
+                    <a:bodyPr/>
+                    <a:lstStyle/>
+                    <a:p>
+                      <a:pPr algn="ctr"/>
+                      <a:r>
+                        <a:rPr lang="ru-RU" dirty="0" smtClean="0"/>
+                        <a:t>Распределение всей учебной нагрузки кафедры между преподавателями.</a:t>
+                      </a:r>
+                    </a:p>
+                  </a:txBody>
+                  <a:tcPr/>
+                </a:tc>
+                <a:tc hMerge="1">
+                  <a:txBody>
+                    <a:bodyPr/>
+                    <a:lstStyle/>
+                    <a:p>
+                      <a:endParaRPr lang="ru-RU" dirty="0"/>
+                    </a:p>
+                  </a:txBody>
+                  <a:tcPr/>
+                </a:tc>
+                <a:extLst>
+                  <a:ext uri="{0D108BD9-81ED-4DB2-BD59-A6C34878D82A}">
+                    <a16:rowId xmlns:a16="http://schemas.microsoft.com/office/drawing/2014/main" val="1919388729"/>
+                  </a:ext>
+                </a:extLst>
+              </a:tr>
+            </a:tbl>
+          </a:graphicData>
+        </a:graphic>
+      </p:graphicFrame>
+    </p:spTree>
+    <p:extLst>
+      <p:ext uri="{BB962C8B-B14F-4D97-AF65-F5344CB8AC3E}">
+        <p14:creationId xmlns:p14="http://schemas.microsoft.com/office/powerpoint/2010/main" val="4240745532"/>
+      </p:ext>
+    </p:extLst>
+  </p:cSld>
+  <p:clrMapOvr>
+    <a:masterClrMapping/>
+  </p:clrMapOvr>
+  <mc:AlternateContent xmlns:mc="http://schemas.openxmlformats.org/markup-compatibility/2006" xmlns:p14="http://schemas.microsoft.com/office/powerpoint/2010/main">
+    <mc:Choice Requires="p14">
+      <p:transition spd="med" p14:dur="700">
+        <p:fade/>
+      </p:transition>
+    </mc:Choice>
+    <mc:Fallback xmlns="">
+      <p:transition spd="med">
+        <p:fade/>
+      </p:transition>
+    </mc:Fallback>
+  </mc:AlternateContent>
+  <p:timing>
+    <p:tnLst>
+      <p:par>
+        <p:cTn id="1" dur="indefinite" restart="never" nodeType="tmRoot"/>
+      </p:par>
+    </p:tnLst>
+  </p:timing>
 </p:sld>
 </file>
 

--- a/Диплом_през.pptx
+++ b/Диплом_през.pptx
@@ -2836,7 +2836,7 @@
             <a:pPr rtl="0"/>
             <a:fld id="{2BADECFF-C1E6-41B7-861F-BE2B26CDAB05}" type="datetime1">
               <a:rPr lang="ru-RU" smtClean="0"/>
-              <a:t>10.06.2020</a:t>
+              <a:t>12.06.2020</a:t>
             </a:fld>
             <a:endParaRPr lang="ru-RU" dirty="0"/>
           </a:p>
@@ -3006,7 +3006,7 @@
             <a:pPr rtl="0"/>
             <a:fld id="{6F848B8F-24F3-4766-A59C-71045DA4FEF0}" type="datetime1">
               <a:rPr lang="ru-RU" smtClean="0"/>
-              <a:t>10.06.2020</a:t>
+              <a:t>12.06.2020</a:t>
             </a:fld>
             <a:endParaRPr lang="ru-RU" dirty="0"/>
           </a:p>
@@ -5939,7 +5939,7 @@
             <a:pPr rtl="0"/>
             <a:fld id="{21D30A75-6773-4051-8E3B-50DEBD5B27F5}" type="datetime1">
               <a:rPr lang="ru-RU" smtClean="0"/>
-              <a:t>10.06.2020</a:t>
+              <a:t>12.06.2020</a:t>
             </a:fld>
             <a:endParaRPr lang="ru-RU" dirty="0"/>
           </a:p>
@@ -6139,7 +6139,7 @@
             <a:pPr rtl="0"/>
             <a:fld id="{D7928C6E-EC50-49F1-B95C-FD73C1D14895}" type="datetime1">
               <a:rPr lang="ru-RU" smtClean="0"/>
-              <a:t>10.06.2020</a:t>
+              <a:t>12.06.2020</a:t>
             </a:fld>
             <a:endParaRPr lang="ru-RU" dirty="0"/>
           </a:p>
@@ -6329,7 +6329,7 @@
             <a:pPr rtl="0"/>
             <a:fld id="{A29ED9D4-4098-4CD3-A9A7-C343301264F2}" type="datetime1">
               <a:rPr lang="ru-RU" smtClean="0"/>
-              <a:t>10.06.2020</a:t>
+              <a:t>12.06.2020</a:t>
             </a:fld>
             <a:endParaRPr lang="ru-RU" dirty="0"/>
           </a:p>
@@ -8678,7 +8678,7 @@
             <a:pPr rtl="0"/>
             <a:fld id="{687FFE1D-B4BF-42B3-9799-021BB66D51E4}" type="datetime1">
               <a:rPr lang="ru-RU" smtClean="0"/>
-              <a:t>10.06.2020</a:t>
+              <a:t>12.06.2020</a:t>
             </a:fld>
             <a:endParaRPr lang="ru-RU" dirty="0"/>
           </a:p>
@@ -9138,7 +9138,7 @@
             <a:pPr rtl="0"/>
             <a:fld id="{433AC169-0119-4659-9B73-547F9C11A152}" type="datetime1">
               <a:rPr lang="ru-RU" smtClean="0"/>
-              <a:t>10.06.2020</a:t>
+              <a:t>12.06.2020</a:t>
             </a:fld>
             <a:endParaRPr lang="ru-RU" dirty="0"/>
           </a:p>
@@ -9276,7 +9276,7 @@
             <a:pPr rtl="0"/>
             <a:fld id="{88FE940F-5E05-43A4-90CE-E7C7653F1C67}" type="datetime1">
               <a:rPr lang="ru-RU" smtClean="0"/>
-              <a:t>10.06.2020</a:t>
+              <a:t>12.06.2020</a:t>
             </a:fld>
             <a:endParaRPr lang="ru-RU" dirty="0"/>
           </a:p>
@@ -11213,7 +11213,7 @@
             <a:pPr rtl="0"/>
             <a:fld id="{CA01554F-F072-4658-949A-7A94F490DB04}" type="datetime1">
               <a:rPr lang="ru-RU" smtClean="0"/>
-              <a:t>10.06.2020</a:t>
+              <a:t>12.06.2020</a:t>
             </a:fld>
             <a:endParaRPr lang="ru-RU" dirty="0"/>
           </a:p>
@@ -13476,7 +13476,7 @@
             <a:pPr rtl="0"/>
             <a:fld id="{3B0BFD1E-E11D-434C-9F87-0B5F0A29CFEC}" type="datetime1">
               <a:rPr lang="ru-RU" smtClean="0"/>
-              <a:t>10.06.2020</a:t>
+              <a:t>12.06.2020</a:t>
             </a:fld>
             <a:endParaRPr lang="ru-RU" dirty="0"/>
           </a:p>
@@ -17779,7 +17779,7 @@
             <a:pPr rtl="0"/>
             <a:fld id="{99137652-B7E4-4AE8-853E-9803CAFAAF7E}" type="datetime1">
               <a:rPr lang="ru-RU" smtClean="0"/>
-              <a:t>10.06.2020</a:t>
+              <a:t>12.06.2020</a:t>
             </a:fld>
             <a:endParaRPr lang="ru-RU" dirty="0"/>
           </a:p>
@@ -18530,31 +18530,26 @@
       </p:sp>
       <p:pic>
         <p:nvPicPr>
-          <p:cNvPr id="8" name="Объект 7"/>
+          <p:cNvPr id="4" name="Рисунок 3"/>
           <p:cNvPicPr>
-            <a:picLocks noGrp="1" noChangeAspect="1"/>
+            <a:picLocks noChangeAspect="1"/>
           </p:cNvPicPr>
-          <p:nvPr>
-            <p:ph idx="1"/>
-          </p:nvPr>
+          <p:nvPr/>
         </p:nvPicPr>
         <p:blipFill>
-          <a:blip r:embed="rId2">
-            <a:extLst>
-              <a:ext uri="{28A0092B-C50C-407E-A947-70E740481C1C}">
-                <a14:useLocalDpi xmlns:a14="http://schemas.microsoft.com/office/drawing/2010/main" val="0"/>
-              </a:ext>
-            </a:extLst>
-          </a:blip>
+          <a:blip r:embed="rId2"/>
           <a:stretch>
             <a:fillRect/>
           </a:stretch>
         </p:blipFill>
         <p:spPr>
           <a:xfrm>
-            <a:off x="1539725" y="1748443"/>
-            <a:ext cx="9162426" cy="4269971"/>
+            <a:off x="3303916" y="1897244"/>
+            <a:ext cx="5149251" cy="3977912"/>
           </a:xfrm>
+          <a:prstGeom prst="rect">
+            <a:avLst/>
+          </a:prstGeom>
         </p:spPr>
       </p:pic>
     </p:spTree>
@@ -20478,7 +20473,7 @@
           <a:p>
             <a:r>
               <a:rPr lang="ru-RU" dirty="0" smtClean="0"/>
-              <a:t>Генерация нужного преставления</a:t>
+              <a:t>Генерация нужного представления</a:t>
             </a:r>
             <a:endParaRPr lang="ru-RU" dirty="0"/>
           </a:p>

--- a/Диплом_през.pptx
+++ b/Диплом_през.pptx
@@ -5,10 +5,10 @@
     <p:sldMasterId id="2147483648" r:id="rId1"/>
   </p:sldMasterIdLst>
   <p:notesMasterIdLst>
-    <p:notesMasterId r:id="rId16"/>
+    <p:notesMasterId r:id="rId18"/>
   </p:notesMasterIdLst>
   <p:handoutMasterIdLst>
-    <p:handoutMasterId r:id="rId17"/>
+    <p:handoutMasterId r:id="rId19"/>
   </p:handoutMasterIdLst>
   <p:sldIdLst>
     <p:sldId id="261" r:id="rId2"/>
@@ -19,12 +19,14 @@
     <p:sldId id="262" r:id="rId7"/>
     <p:sldId id="269" r:id="rId8"/>
     <p:sldId id="275" r:id="rId9"/>
-    <p:sldId id="277" r:id="rId10"/>
-    <p:sldId id="273" r:id="rId11"/>
-    <p:sldId id="272" r:id="rId12"/>
-    <p:sldId id="280" r:id="rId13"/>
-    <p:sldId id="263" r:id="rId14"/>
-    <p:sldId id="265" r:id="rId15"/>
+    <p:sldId id="281" r:id="rId10"/>
+    <p:sldId id="277" r:id="rId11"/>
+    <p:sldId id="273" r:id="rId12"/>
+    <p:sldId id="272" r:id="rId13"/>
+    <p:sldId id="280" r:id="rId14"/>
+    <p:sldId id="282" r:id="rId15"/>
+    <p:sldId id="263" r:id="rId16"/>
+    <p:sldId id="265" r:id="rId17"/>
   </p:sldIdLst>
   <p:sldSz cx="12192000" cy="6858000"/>
   <p:notesSz cx="6858000" cy="9144000"/>
@@ -2836,7 +2838,7 @@
             <a:pPr rtl="0"/>
             <a:fld id="{2BADECFF-C1E6-41B7-861F-BE2B26CDAB05}" type="datetime1">
               <a:rPr lang="ru-RU" smtClean="0"/>
-              <a:t>12.06.2020</a:t>
+              <a:t>15.06.2020</a:t>
             </a:fld>
             <a:endParaRPr lang="ru-RU" dirty="0"/>
           </a:p>
@@ -3006,7 +3008,7 @@
             <a:pPr rtl="0"/>
             <a:fld id="{6F848B8F-24F3-4766-A59C-71045DA4FEF0}" type="datetime1">
               <a:rPr lang="ru-RU" smtClean="0"/>
-              <a:t>12.06.2020</a:t>
+              <a:t>15.06.2020</a:t>
             </a:fld>
             <a:endParaRPr lang="ru-RU" dirty="0"/>
           </a:p>
@@ -3685,7 +3687,7 @@
             <a:pPr rtl="0"/>
             <a:fld id="{82869989-EB00-4EE7-BCB5-25BDC5BB29F8}" type="slidenum">
               <a:rPr lang="ru-RU" smtClean="0"/>
-              <a:t>13</a:t>
+              <a:t>15</a:t>
             </a:fld>
             <a:endParaRPr lang="ru-RU" dirty="0"/>
           </a:p>
@@ -3770,7 +3772,7 @@
             <a:pPr rtl="0"/>
             <a:fld id="{82869989-EB00-4EE7-BCB5-25BDC5BB29F8}" type="slidenum">
               <a:rPr lang="ru-RU" smtClean="0"/>
-              <a:t>14</a:t>
+              <a:t>16</a:t>
             </a:fld>
             <a:endParaRPr lang="ru-RU" dirty="0"/>
           </a:p>
@@ -5939,7 +5941,7 @@
             <a:pPr rtl="0"/>
             <a:fld id="{21D30A75-6773-4051-8E3B-50DEBD5B27F5}" type="datetime1">
               <a:rPr lang="ru-RU" smtClean="0"/>
-              <a:t>12.06.2020</a:t>
+              <a:t>15.06.2020</a:t>
             </a:fld>
             <a:endParaRPr lang="ru-RU" dirty="0"/>
           </a:p>
@@ -6139,7 +6141,7 @@
             <a:pPr rtl="0"/>
             <a:fld id="{D7928C6E-EC50-49F1-B95C-FD73C1D14895}" type="datetime1">
               <a:rPr lang="ru-RU" smtClean="0"/>
-              <a:t>12.06.2020</a:t>
+              <a:t>15.06.2020</a:t>
             </a:fld>
             <a:endParaRPr lang="ru-RU" dirty="0"/>
           </a:p>
@@ -6329,7 +6331,7 @@
             <a:pPr rtl="0"/>
             <a:fld id="{A29ED9D4-4098-4CD3-A9A7-C343301264F2}" type="datetime1">
               <a:rPr lang="ru-RU" smtClean="0"/>
-              <a:t>12.06.2020</a:t>
+              <a:t>15.06.2020</a:t>
             </a:fld>
             <a:endParaRPr lang="ru-RU" dirty="0"/>
           </a:p>
@@ -8678,7 +8680,7 @@
             <a:pPr rtl="0"/>
             <a:fld id="{687FFE1D-B4BF-42B3-9799-021BB66D51E4}" type="datetime1">
               <a:rPr lang="ru-RU" smtClean="0"/>
-              <a:t>12.06.2020</a:t>
+              <a:t>15.06.2020</a:t>
             </a:fld>
             <a:endParaRPr lang="ru-RU" dirty="0"/>
           </a:p>
@@ -9138,7 +9140,7 @@
             <a:pPr rtl="0"/>
             <a:fld id="{433AC169-0119-4659-9B73-547F9C11A152}" type="datetime1">
               <a:rPr lang="ru-RU" smtClean="0"/>
-              <a:t>12.06.2020</a:t>
+              <a:t>15.06.2020</a:t>
             </a:fld>
             <a:endParaRPr lang="ru-RU" dirty="0"/>
           </a:p>
@@ -9276,7 +9278,7 @@
             <a:pPr rtl="0"/>
             <a:fld id="{88FE940F-5E05-43A4-90CE-E7C7653F1C67}" type="datetime1">
               <a:rPr lang="ru-RU" smtClean="0"/>
-              <a:t>12.06.2020</a:t>
+              <a:t>15.06.2020</a:t>
             </a:fld>
             <a:endParaRPr lang="ru-RU" dirty="0"/>
           </a:p>
@@ -11213,7 +11215,7 @@
             <a:pPr rtl="0"/>
             <a:fld id="{CA01554F-F072-4658-949A-7A94F490DB04}" type="datetime1">
               <a:rPr lang="ru-RU" smtClean="0"/>
-              <a:t>12.06.2020</a:t>
+              <a:t>15.06.2020</a:t>
             </a:fld>
             <a:endParaRPr lang="ru-RU" dirty="0"/>
           </a:p>
@@ -13476,7 +13478,7 @@
             <a:pPr rtl="0"/>
             <a:fld id="{3B0BFD1E-E11D-434C-9F87-0B5F0A29CFEC}" type="datetime1">
               <a:rPr lang="ru-RU" smtClean="0"/>
-              <a:t>12.06.2020</a:t>
+              <a:t>15.06.2020</a:t>
             </a:fld>
             <a:endParaRPr lang="ru-RU" dirty="0"/>
           </a:p>
@@ -17779,7 +17781,7 @@
             <a:pPr rtl="0"/>
             <a:fld id="{99137652-B7E4-4AE8-853E-9803CAFAAF7E}" type="datetime1">
               <a:rPr lang="ru-RU" smtClean="0"/>
-              <a:t>12.06.2020</a:t>
+              <a:t>15.06.2020</a:t>
             </a:fld>
             <a:endParaRPr lang="ru-RU" dirty="0"/>
           </a:p>
@@ -18517,6 +18519,415 @@
         </p:nvSpPr>
         <p:spPr/>
         <p:txBody>
+          <a:bodyPr>
+            <a:normAutofit fontScale="90000"/>
+          </a:bodyPr>
+          <a:lstStyle/>
+          <a:p>
+            <a:pPr algn="ctr"/>
+            <a:r>
+              <a:rPr lang="ru-RU" dirty="0" smtClean="0"/>
+              <a:t> Задача распределения учебной нагрузки </a:t>
+            </a:r>
+            <a:r>
+              <a:rPr lang="ru-RU" dirty="0"/>
+              <a:t>между преподавателями на основе учебного плана</a:t>
+            </a:r>
+          </a:p>
+        </p:txBody>
+      </p:sp>
+      <p:graphicFrame>
+        <p:nvGraphicFramePr>
+          <p:cNvPr id="8" name="Таблица 7"/>
+          <p:cNvGraphicFramePr>
+            <a:graphicFrameLocks noGrp="1"/>
+          </p:cNvGraphicFramePr>
+          <p:nvPr>
+            <p:extLst>
+              <p:ext uri="{D42A27DB-BD31-4B8C-83A1-F6EECF244321}">
+                <p14:modId xmlns:p14="http://schemas.microsoft.com/office/powerpoint/2010/main" val="476034696"/>
+              </p:ext>
+            </p:extLst>
+          </p:nvPr>
+        </p:nvGraphicFramePr>
+        <p:xfrm>
+          <a:off x="1295400" y="1646239"/>
+          <a:ext cx="9601200" cy="4388801"/>
+        </p:xfrm>
+        <a:graphic>
+          <a:graphicData uri="http://schemas.openxmlformats.org/drawingml/2006/table">
+            <a:tbl>
+              <a:tblPr firstRow="1" bandRow="1">
+                <a:tableStyleId>{BC89EF96-8CEA-46FF-86C4-4CE0E7609802}</a:tableStyleId>
+              </a:tblPr>
+              <a:tblGrid>
+                <a:gridCol w="4860265">
+                  <a:extLst>
+                    <a:ext uri="{9D8B030D-6E8A-4147-A177-3AD203B41FA5}">
+                      <a16:colId xmlns:a16="http://schemas.microsoft.com/office/drawing/2014/main" val="3795115927"/>
+                    </a:ext>
+                  </a:extLst>
+                </a:gridCol>
+                <a:gridCol w="4740935">
+                  <a:extLst>
+                    <a:ext uri="{9D8B030D-6E8A-4147-A177-3AD203B41FA5}">
+                      <a16:colId xmlns:a16="http://schemas.microsoft.com/office/drawing/2014/main" val="2295962260"/>
+                    </a:ext>
+                  </a:extLst>
+                </a:gridCol>
+              </a:tblGrid>
+              <a:tr h="457273">
+                <a:tc>
+                  <a:txBody>
+                    <a:bodyPr/>
+                    <a:lstStyle/>
+                    <a:p>
+                      <a:pPr marL="0" marR="0" indent="0" algn="l" defTabSz="914400" rtl="0" eaLnBrk="1" fontAlgn="auto" latinLnBrk="0" hangingPunct="1">
+                        <a:lnSpc>
+                          <a:spcPct val="100000"/>
+                        </a:lnSpc>
+                        <a:spcBef>
+                          <a:spcPts val="0"/>
+                        </a:spcBef>
+                        <a:spcAft>
+                          <a:spcPts val="0"/>
+                        </a:spcAft>
+                        <a:buClrTx/>
+                        <a:buSzTx/>
+                        <a:buFontTx/>
+                        <a:buNone/>
+                        <a:tabLst/>
+                        <a:defRPr/>
+                      </a:pPr>
+                      <a:r>
+                        <a:rPr lang="ru-RU" dirty="0" smtClean="0"/>
+                        <a:t>Автоматический режим</a:t>
+                      </a:r>
+                    </a:p>
+                  </a:txBody>
+                  <a:tcPr/>
+                </a:tc>
+                <a:tc>
+                  <a:txBody>
+                    <a:bodyPr/>
+                    <a:lstStyle/>
+                    <a:p>
+                      <a:pPr marL="0" marR="0" indent="0" algn="l" defTabSz="914400" rtl="0" eaLnBrk="1" fontAlgn="auto" latinLnBrk="0" hangingPunct="1">
+                        <a:lnSpc>
+                          <a:spcPct val="100000"/>
+                        </a:lnSpc>
+                        <a:spcBef>
+                          <a:spcPts val="0"/>
+                        </a:spcBef>
+                        <a:spcAft>
+                          <a:spcPts val="0"/>
+                        </a:spcAft>
+                        <a:buClrTx/>
+                        <a:buSzTx/>
+                        <a:buFontTx/>
+                        <a:buNone/>
+                        <a:tabLst/>
+                        <a:defRPr/>
+                      </a:pPr>
+                      <a:r>
+                        <a:rPr lang="ru-RU" dirty="0" smtClean="0"/>
+                        <a:t>Ручной режим</a:t>
+                      </a:r>
+                    </a:p>
+                  </a:txBody>
+                  <a:tcPr/>
+                </a:tc>
+                <a:extLst>
+                  <a:ext uri="{0D108BD9-81ED-4DB2-BD59-A6C34878D82A}">
+                    <a16:rowId xmlns:a16="http://schemas.microsoft.com/office/drawing/2014/main" val="2443544684"/>
+                  </a:ext>
+                </a:extLst>
+              </a:tr>
+              <a:tr h="457273">
+                <a:tc gridSpan="2">
+                  <a:txBody>
+                    <a:bodyPr/>
+                    <a:lstStyle/>
+                    <a:p>
+                      <a:pPr marL="0" marR="0" indent="0" algn="l" defTabSz="914400" rtl="0" eaLnBrk="1" fontAlgn="auto" latinLnBrk="0" hangingPunct="1">
+                        <a:lnSpc>
+                          <a:spcPct val="100000"/>
+                        </a:lnSpc>
+                        <a:spcBef>
+                          <a:spcPts val="0"/>
+                        </a:spcBef>
+                        <a:spcAft>
+                          <a:spcPts val="0"/>
+                        </a:spcAft>
+                        <a:buClrTx/>
+                        <a:buSzTx/>
+                        <a:buFontTx/>
+                        <a:buNone/>
+                        <a:tabLst/>
+                        <a:defRPr/>
+                      </a:pPr>
+                      <a:r>
+                        <a:rPr lang="ru-RU" dirty="0" smtClean="0"/>
+                        <a:t>Входные данные:</a:t>
+                      </a:r>
+                    </a:p>
+                  </a:txBody>
+                  <a:tcPr/>
+                </a:tc>
+                <a:tc hMerge="1">
+                  <a:txBody>
+                    <a:bodyPr/>
+                    <a:lstStyle/>
+                    <a:p>
+                      <a:endParaRPr lang="ru-RU"/>
+                    </a:p>
+                  </a:txBody>
+                  <a:tcPr/>
+                </a:tc>
+                <a:extLst>
+                  <a:ext uri="{0D108BD9-81ED-4DB2-BD59-A6C34878D82A}">
+                    <a16:rowId xmlns:a16="http://schemas.microsoft.com/office/drawing/2014/main" val="2217529710"/>
+                  </a:ext>
+                </a:extLst>
+              </a:tr>
+              <a:tr h="849223">
+                <a:tc gridSpan="2">
+                  <a:txBody>
+                    <a:bodyPr/>
+                    <a:lstStyle/>
+                    <a:p>
+                      <a:pPr marL="285750" indent="-285750" algn="ctr">
+                        <a:buFont typeface="Arial" panose="020B0604020202020204" pitchFamily="34" charset="0"/>
+                        <a:buChar char="•"/>
+                      </a:pPr>
+                      <a:r>
+                        <a:rPr lang="ru-RU" dirty="0" smtClean="0"/>
+                        <a:t>Учебный план в формате таблицы </a:t>
+                      </a:r>
+                      <a:r>
+                        <a:rPr lang="en-US" dirty="0" smtClean="0"/>
+                        <a:t>Excel </a:t>
+                      </a:r>
+                    </a:p>
+                    <a:p>
+                      <a:pPr marL="285750" indent="-285750" algn="ctr">
+                        <a:buFont typeface="Arial" panose="020B0604020202020204" pitchFamily="34" charset="0"/>
+                        <a:buChar char="•"/>
+                      </a:pPr>
+                      <a:r>
+                        <a:rPr lang="ru-RU" dirty="0" smtClean="0"/>
+                        <a:t>Данные о количестве потоков, групп и подгрупп</a:t>
+                      </a:r>
+                    </a:p>
+                  </a:txBody>
+                  <a:tcPr/>
+                </a:tc>
+                <a:tc hMerge="1">
+                  <a:txBody>
+                    <a:bodyPr/>
+                    <a:lstStyle/>
+                    <a:p>
+                      <a:endParaRPr lang="ru-RU" dirty="0"/>
+                    </a:p>
+                  </a:txBody>
+                  <a:tcPr/>
+                </a:tc>
+                <a:extLst>
+                  <a:ext uri="{0D108BD9-81ED-4DB2-BD59-A6C34878D82A}">
+                    <a16:rowId xmlns:a16="http://schemas.microsoft.com/office/drawing/2014/main" val="1917380108"/>
+                  </a:ext>
+                </a:extLst>
+              </a:tr>
+              <a:tr h="1694339">
+                <a:tc>
+                  <a:txBody>
+                    <a:bodyPr/>
+                    <a:lstStyle/>
+                    <a:p>
+                      <a:pPr marL="285750" marR="0" indent="-285750" algn="l" defTabSz="914400" rtl="0" eaLnBrk="1" fontAlgn="auto" latinLnBrk="0" hangingPunct="1">
+                        <a:lnSpc>
+                          <a:spcPct val="100000"/>
+                        </a:lnSpc>
+                        <a:spcBef>
+                          <a:spcPts val="0"/>
+                        </a:spcBef>
+                        <a:spcAft>
+                          <a:spcPts val="0"/>
+                        </a:spcAft>
+                        <a:buClrTx/>
+                        <a:buSzTx/>
+                        <a:buFont typeface="Arial" panose="020B0604020202020204" pitchFamily="34" charset="0"/>
+                        <a:buChar char="•"/>
+                        <a:tabLst/>
+                        <a:defRPr/>
+                      </a:pPr>
+                      <a:r>
+                        <a:rPr lang="ru-RU" dirty="0" smtClean="0"/>
+                        <a:t>Таблица, содержащая информацию о предмете, преподавателе который его ведет и предпочтения преподавателя по ведению дисциплин. </a:t>
+                      </a:r>
+                    </a:p>
+                  </a:txBody>
+                  <a:tcPr/>
+                </a:tc>
+                <a:tc>
+                  <a:txBody>
+                    <a:bodyPr/>
+                    <a:lstStyle/>
+                    <a:p>
+                      <a:endParaRPr lang="ru-RU" dirty="0"/>
+                    </a:p>
+                  </a:txBody>
+                  <a:tcPr/>
+                </a:tc>
+                <a:extLst>
+                  <a:ext uri="{0D108BD9-81ED-4DB2-BD59-A6C34878D82A}">
+                    <a16:rowId xmlns:a16="http://schemas.microsoft.com/office/drawing/2014/main" val="4233600878"/>
+                  </a:ext>
+                </a:extLst>
+              </a:tr>
+              <a:tr h="457273">
+                <a:tc gridSpan="2">
+                  <a:txBody>
+                    <a:bodyPr/>
+                    <a:lstStyle/>
+                    <a:p>
+                      <a:pPr marL="0" marR="0" indent="0" algn="l" defTabSz="914400" rtl="0" eaLnBrk="1" fontAlgn="auto" latinLnBrk="0" hangingPunct="1">
+                        <a:lnSpc>
+                          <a:spcPct val="100000"/>
+                        </a:lnSpc>
+                        <a:spcBef>
+                          <a:spcPts val="0"/>
+                        </a:spcBef>
+                        <a:spcAft>
+                          <a:spcPts val="0"/>
+                        </a:spcAft>
+                        <a:buClrTx/>
+                        <a:buSzTx/>
+                        <a:buFontTx/>
+                        <a:buNone/>
+                        <a:tabLst/>
+                        <a:defRPr/>
+                      </a:pPr>
+                      <a:r>
+                        <a:rPr lang="ru-RU" dirty="0" smtClean="0"/>
+                        <a:t>Выходные данные:</a:t>
+                      </a:r>
+                    </a:p>
+                  </a:txBody>
+                  <a:tcPr/>
+                </a:tc>
+                <a:tc hMerge="1">
+                  <a:txBody>
+                    <a:bodyPr/>
+                    <a:lstStyle/>
+                    <a:p>
+                      <a:endParaRPr lang="ru-RU"/>
+                    </a:p>
+                  </a:txBody>
+                  <a:tcPr/>
+                </a:tc>
+                <a:extLst>
+                  <a:ext uri="{0D108BD9-81ED-4DB2-BD59-A6C34878D82A}">
+                    <a16:rowId xmlns:a16="http://schemas.microsoft.com/office/drawing/2014/main" val="2803912581"/>
+                  </a:ext>
+                </a:extLst>
+              </a:tr>
+              <a:tr h="473420">
+                <a:tc gridSpan="2">
+                  <a:txBody>
+                    <a:bodyPr/>
+                    <a:lstStyle/>
+                    <a:p>
+                      <a:pPr algn="ctr"/>
+                      <a:r>
+                        <a:rPr lang="ru-RU" dirty="0" smtClean="0"/>
+                        <a:t>Распределение всей учебной нагрузки кафедры между преподавателями.</a:t>
+                      </a:r>
+                    </a:p>
+                  </a:txBody>
+                  <a:tcPr/>
+                </a:tc>
+                <a:tc hMerge="1">
+                  <a:txBody>
+                    <a:bodyPr/>
+                    <a:lstStyle/>
+                    <a:p>
+                      <a:endParaRPr lang="ru-RU" dirty="0"/>
+                    </a:p>
+                  </a:txBody>
+                  <a:tcPr/>
+                </a:tc>
+                <a:extLst>
+                  <a:ext uri="{0D108BD9-81ED-4DB2-BD59-A6C34878D82A}">
+                    <a16:rowId xmlns:a16="http://schemas.microsoft.com/office/drawing/2014/main" val="1919388729"/>
+                  </a:ext>
+                </a:extLst>
+              </a:tr>
+            </a:tbl>
+          </a:graphicData>
+        </a:graphic>
+      </p:graphicFrame>
+    </p:spTree>
+    <p:extLst>
+      <p:ext uri="{BB962C8B-B14F-4D97-AF65-F5344CB8AC3E}">
+        <p14:creationId xmlns:p14="http://schemas.microsoft.com/office/powerpoint/2010/main" val="4240745532"/>
+      </p:ext>
+    </p:extLst>
+  </p:cSld>
+  <p:clrMapOvr>
+    <a:masterClrMapping/>
+  </p:clrMapOvr>
+  <mc:AlternateContent xmlns:mc="http://schemas.openxmlformats.org/markup-compatibility/2006" xmlns:p14="http://schemas.microsoft.com/office/powerpoint/2010/main">
+    <mc:Choice Requires="p14">
+      <p:transition spd="med" p14:dur="700">
+        <p:fade/>
+      </p:transition>
+    </mc:Choice>
+    <mc:Fallback xmlns="">
+      <p:transition spd="med">
+        <p:fade/>
+      </p:transition>
+    </mc:Fallback>
+  </mc:AlternateContent>
+  <p:timing>
+    <p:tnLst>
+      <p:par>
+        <p:cTn id="1" dur="indefinite" restart="never" nodeType="tmRoot"/>
+      </p:par>
+    </p:tnLst>
+  </p:timing>
+</p:sld>
+</file>
+
+<file path=ppt/slides/slide11.xml><?xml version="1.0" encoding="utf-8"?>
+<p:sld xmlns:a="http://schemas.openxmlformats.org/drawingml/2006/main" xmlns:r="http://schemas.openxmlformats.org/officeDocument/2006/relationships" xmlns:p="http://schemas.openxmlformats.org/presentationml/2006/main">
+  <p:cSld>
+    <p:spTree>
+      <p:nvGrpSpPr>
+        <p:cNvPr id="1" name=""/>
+        <p:cNvGrpSpPr/>
+        <p:nvPr/>
+      </p:nvGrpSpPr>
+      <p:grpSpPr>
+        <a:xfrm>
+          <a:off x="0" y="0"/>
+          <a:ext cx="0" cy="0"/>
+          <a:chOff x="0" y="0"/>
+          <a:chExt cx="0" cy="0"/>
+        </a:xfrm>
+      </p:grpSpPr>
+      <p:sp>
+        <p:nvSpPr>
+          <p:cNvPr id="2" name="Заголовок 1"/>
+          <p:cNvSpPr>
+            <a:spLocks noGrp="1"/>
+          </p:cNvSpPr>
+          <p:nvPr>
+            <p:ph type="title"/>
+          </p:nvPr>
+        </p:nvSpPr>
+        <p:spPr/>
+        <p:txBody>
           <a:bodyPr/>
           <a:lstStyle/>
           <a:p>
@@ -18584,7 +18995,7 @@
 </p:sld>
 </file>
 
-<file path=ppt/slides/slide11.xml><?xml version="1.0" encoding="utf-8"?>
+<file path=ppt/slides/slide12.xml><?xml version="1.0" encoding="utf-8"?>
 <p:sld xmlns:a="http://schemas.openxmlformats.org/drawingml/2006/main" xmlns:r="http://schemas.openxmlformats.org/officeDocument/2006/relationships" xmlns:p="http://schemas.openxmlformats.org/presentationml/2006/main">
   <p:cSld>
     <p:spTree>
@@ -18679,13 +19090,13 @@
           <p:nvPr>
             <p:extLst>
               <p:ext uri="{D42A27DB-BD31-4B8C-83A1-F6EECF244321}">
-                <p14:modId xmlns:p14="http://schemas.microsoft.com/office/powerpoint/2010/main" val="762280644"/>
+                <p14:modId xmlns:p14="http://schemas.microsoft.com/office/powerpoint/2010/main" val="3863572844"/>
               </p:ext>
             </p:extLst>
           </p:nvPr>
         </p:nvGraphicFramePr>
         <p:xfrm>
-          <a:off x="6644134" y="673636"/>
+          <a:off x="6644134" y="936425"/>
           <a:ext cx="4850102" cy="885687"/>
         </p:xfrm>
         <a:graphic>
@@ -18702,7 +19113,7 @@
         </p:nvSpPr>
         <p:spPr>
           <a:xfrm>
-            <a:off x="7229083" y="1567887"/>
+            <a:off x="7229083" y="1808921"/>
             <a:ext cx="3680204" cy="369332"/>
           </a:xfrm>
           <a:prstGeom prst="rect">
@@ -18747,7 +19158,7 @@
         </p:blipFill>
         <p:spPr>
           <a:xfrm>
-            <a:off x="870065" y="2350533"/>
+            <a:off x="828502" y="1937219"/>
             <a:ext cx="5267498" cy="2853228"/>
           </a:xfrm>
           <a:prstGeom prst="rect">
@@ -18777,7 +19188,7 @@
         </p:blipFill>
         <p:spPr>
           <a:xfrm>
-            <a:off x="6434050" y="2349031"/>
+            <a:off x="6096000" y="2788978"/>
             <a:ext cx="5270270" cy="2854730"/>
           </a:xfrm>
           <a:prstGeom prst="rect">
@@ -18817,7 +19228,7 @@
 </p:sld>
 </file>
 
-<file path=ppt/slides/slide12.xml><?xml version="1.0" encoding="utf-8"?>
+<file path=ppt/slides/slide13.xml><?xml version="1.0" encoding="utf-8"?>
 <p:sld xmlns:a="http://schemas.openxmlformats.org/drawingml/2006/main" xmlns:r="http://schemas.openxmlformats.org/officeDocument/2006/relationships" xmlns:p="http://schemas.openxmlformats.org/presentationml/2006/main">
   <p:cSld>
     <p:spTree>
@@ -18863,52 +19274,22 @@
       </p:sp>
       <p:pic>
         <p:nvPicPr>
-          <p:cNvPr id="6" name="Рисунок 5"/>
+          <p:cNvPr id="4" name="Рисунок 3"/>
           <p:cNvPicPr>
             <a:picLocks noChangeAspect="1"/>
           </p:cNvPicPr>
           <p:nvPr/>
         </p:nvPicPr>
         <p:blipFill>
-          <a:blip r:embed="rId2">
-            <a:extLst>
-              <a:ext uri="{28A0092B-C50C-407E-A947-70E740481C1C}">
-                <a14:useLocalDpi xmlns:a14="http://schemas.microsoft.com/office/drawing/2010/main" val="0"/>
-              </a:ext>
-            </a:extLst>
-          </a:blip>
+          <a:blip r:embed="rId2"/>
           <a:stretch>
             <a:fillRect/>
           </a:stretch>
         </p:blipFill>
         <p:spPr>
           <a:xfrm>
-            <a:off x="1712421" y="1608166"/>
-            <a:ext cx="4451465" cy="2411210"/>
-          </a:xfrm>
-          <a:prstGeom prst="rect">
-            <a:avLst/>
-          </a:prstGeom>
-        </p:spPr>
-      </p:pic>
-      <p:pic>
-        <p:nvPicPr>
-          <p:cNvPr id="3" name="Рисунок 2"/>
-          <p:cNvPicPr>
-            <a:picLocks noChangeAspect="1"/>
-          </p:cNvPicPr>
-          <p:nvPr/>
-        </p:nvPicPr>
-        <p:blipFill>
-          <a:blip r:embed="rId3"/>
-          <a:stretch>
-            <a:fillRect/>
-          </a:stretch>
-        </p:blipFill>
-        <p:spPr>
-          <a:xfrm>
-            <a:off x="6222076" y="4019376"/>
-            <a:ext cx="4459779" cy="2424195"/>
+            <a:off x="705311" y="1646237"/>
+            <a:ext cx="5904870" cy="3198471"/>
           </a:xfrm>
           <a:prstGeom prst="rect">
             <a:avLst/>
@@ -18924,39 +19305,15 @@
           <p:nvPr/>
         </p:nvPicPr>
         <p:blipFill>
-          <a:blip r:embed="rId4"/>
+          <a:blip r:embed="rId3"/>
           <a:stretch>
             <a:fillRect/>
           </a:stretch>
         </p:blipFill>
         <p:spPr>
           <a:xfrm>
-            <a:off x="6163886" y="1614216"/>
-            <a:ext cx="4135814" cy="2240233"/>
-          </a:xfrm>
-          <a:prstGeom prst="rect">
-            <a:avLst/>
-          </a:prstGeom>
-        </p:spPr>
-      </p:pic>
-      <p:pic>
-        <p:nvPicPr>
-          <p:cNvPr id="8" name="Рисунок 7"/>
-          <p:cNvPicPr>
-            <a:picLocks noChangeAspect="1"/>
-          </p:cNvPicPr>
-          <p:nvPr/>
-        </p:nvPicPr>
-        <p:blipFill>
-          <a:blip r:embed="rId5"/>
-          <a:stretch>
-            <a:fillRect/>
-          </a:stretch>
-        </p:blipFill>
-        <p:spPr>
-          <a:xfrm>
-            <a:off x="1712420" y="4019377"/>
-            <a:ext cx="4509655" cy="2442730"/>
+            <a:off x="6157206" y="3418000"/>
+            <a:ext cx="5904870" cy="3198472"/>
           </a:xfrm>
           <a:prstGeom prst="rect">
             <a:avLst/>
@@ -18995,7 +19352,137 @@
 </p:sld>
 </file>
 
-<file path=ppt/slides/slide13.xml><?xml version="1.0" encoding="utf-8"?>
+<file path=ppt/slides/slide14.xml><?xml version="1.0" encoding="utf-8"?>
+<p:sld xmlns:a="http://schemas.openxmlformats.org/drawingml/2006/main" xmlns:r="http://schemas.openxmlformats.org/officeDocument/2006/relationships" xmlns:p="http://schemas.openxmlformats.org/presentationml/2006/main">
+  <p:cSld>
+    <p:spTree>
+      <p:nvGrpSpPr>
+        <p:cNvPr id="1" name=""/>
+        <p:cNvGrpSpPr/>
+        <p:nvPr/>
+      </p:nvGrpSpPr>
+      <p:grpSpPr>
+        <a:xfrm>
+          <a:off x="0" y="0"/>
+          <a:ext cx="0" cy="0"/>
+          <a:chOff x="0" y="0"/>
+          <a:chExt cx="0" cy="0"/>
+        </a:xfrm>
+      </p:grpSpPr>
+      <p:sp>
+        <p:nvSpPr>
+          <p:cNvPr id="2" name="Заголовок 1"/>
+          <p:cNvSpPr>
+            <a:spLocks noGrp="1"/>
+          </p:cNvSpPr>
+          <p:nvPr>
+            <p:ph type="title" idx="4294967295"/>
+          </p:nvPr>
+        </p:nvSpPr>
+        <p:spPr>
+          <a:xfrm>
+            <a:off x="781396" y="656704"/>
+            <a:ext cx="8819804" cy="989533"/>
+          </a:xfrm>
+        </p:spPr>
+        <p:txBody>
+          <a:bodyPr/>
+          <a:lstStyle/>
+          <a:p>
+            <a:r>
+              <a:rPr lang="ru-RU" dirty="0"/>
+              <a:t>Создание интерфейса</a:t>
+            </a:r>
+          </a:p>
+        </p:txBody>
+      </p:sp>
+      <p:pic>
+        <p:nvPicPr>
+          <p:cNvPr id="3" name="Рисунок 2"/>
+          <p:cNvPicPr>
+            <a:picLocks noChangeAspect="1"/>
+          </p:cNvPicPr>
+          <p:nvPr/>
+        </p:nvPicPr>
+        <p:blipFill>
+          <a:blip r:embed="rId2"/>
+          <a:stretch>
+            <a:fillRect/>
+          </a:stretch>
+        </p:blipFill>
+        <p:spPr>
+          <a:xfrm>
+            <a:off x="6279329" y="3521181"/>
+            <a:ext cx="5610405" cy="3049639"/>
+          </a:xfrm>
+          <a:prstGeom prst="rect">
+            <a:avLst/>
+          </a:prstGeom>
+        </p:spPr>
+      </p:pic>
+      <p:pic>
+        <p:nvPicPr>
+          <p:cNvPr id="4" name="Рисунок 3"/>
+          <p:cNvPicPr>
+            <a:picLocks noChangeAspect="1"/>
+          </p:cNvPicPr>
+          <p:nvPr/>
+        </p:nvPicPr>
+        <p:blipFill>
+          <a:blip r:embed="rId3">
+            <a:extLst>
+              <a:ext uri="{28A0092B-C50C-407E-A947-70E740481C1C}">
+                <a14:useLocalDpi xmlns:a14="http://schemas.microsoft.com/office/drawing/2010/main" val="0"/>
+              </a:ext>
+            </a:extLst>
+          </a:blip>
+          <a:stretch>
+            <a:fillRect/>
+          </a:stretch>
+        </p:blipFill>
+        <p:spPr>
+          <a:xfrm>
+            <a:off x="668924" y="1720636"/>
+            <a:ext cx="5610405" cy="3038969"/>
+          </a:xfrm>
+          <a:prstGeom prst="rect">
+            <a:avLst/>
+          </a:prstGeom>
+        </p:spPr>
+      </p:pic>
+    </p:spTree>
+    <p:extLst>
+      <p:ext uri="{BB962C8B-B14F-4D97-AF65-F5344CB8AC3E}">
+        <p14:creationId xmlns:p14="http://schemas.microsoft.com/office/powerpoint/2010/main" val="488326306"/>
+      </p:ext>
+    </p:extLst>
+  </p:cSld>
+  <p:clrMapOvr>
+    <a:masterClrMapping/>
+  </p:clrMapOvr>
+  <mc:AlternateContent xmlns:mc="http://schemas.openxmlformats.org/markup-compatibility/2006" xmlns:p14="http://schemas.microsoft.com/office/powerpoint/2010/main">
+    <mc:Choice Requires="p14">
+      <p:transition spd="med" p14:dur="700">
+        <p:fade/>
+      </p:transition>
+    </mc:Choice>
+    <mc:Fallback xmlns="">
+      <p:transition spd="med">
+        <p:fade/>
+      </p:transition>
+    </mc:Fallback>
+  </mc:AlternateContent>
+  <p:timing>
+    <p:tnLst>
+      <p:par>
+        <p:cTn id="1" dur="indefinite" restart="never" nodeType="tmRoot"/>
+      </p:par>
+    </p:tnLst>
+  </p:timing>
+</p:sld>
+</file>
+
+<file path=ppt/slides/slide15.xml><?xml version="1.0" encoding="utf-8"?>
 <p:sld xmlns:a="http://schemas.openxmlformats.org/drawingml/2006/main" xmlns:r="http://schemas.openxmlformats.org/officeDocument/2006/relationships" xmlns:p="http://schemas.openxmlformats.org/presentationml/2006/main">
   <p:cSld>
     <p:spTree>
@@ -19150,7 +19637,7 @@
 </p:sld>
 </file>
 
-<file path=ppt/slides/slide14.xml><?xml version="1.0" encoding="utf-8"?>
+<file path=ppt/slides/slide16.xml><?xml version="1.0" encoding="utf-8"?>
 <p:sld xmlns:a="http://schemas.openxmlformats.org/drawingml/2006/main" xmlns:r="http://schemas.openxmlformats.org/officeDocument/2006/relationships" xmlns:p="http://schemas.openxmlformats.org/presentationml/2006/main">
   <p:cSld>
     <p:spTree>
@@ -20758,353 +21245,71 @@
           </a:bodyPr>
           <a:lstStyle/>
           <a:p>
-            <a:pPr algn="ctr"/>
-            <a:r>
-              <a:rPr lang="ru-RU" dirty="0" smtClean="0"/>
-              <a:t> Задача распределения учебной нагрузки </a:t>
-            </a:r>
             <a:r>
               <a:rPr lang="ru-RU" dirty="0"/>
-              <a:t>между преподавателями на основе учебного плана</a:t>
+              <a:t>Задача распределения учебной нагрузки между преподавателями на основе учебного плана</a:t>
             </a:r>
           </a:p>
         </p:txBody>
       </p:sp>
-      <p:graphicFrame>
-        <p:nvGraphicFramePr>
-          <p:cNvPr id="8" name="Таблица 7"/>
-          <p:cNvGraphicFramePr>
-            <a:graphicFrameLocks noGrp="1"/>
-          </p:cNvGraphicFramePr>
-          <p:nvPr>
-            <p:extLst>
-              <p:ext uri="{D42A27DB-BD31-4B8C-83A1-F6EECF244321}">
-                <p14:modId xmlns:p14="http://schemas.microsoft.com/office/powerpoint/2010/main" val="476034696"/>
-              </p:ext>
-            </p:extLst>
-          </p:nvPr>
-        </p:nvGraphicFramePr>
-        <p:xfrm>
-          <a:off x="1295400" y="1646239"/>
-          <a:ext cx="9601200" cy="4388801"/>
-        </p:xfrm>
-        <a:graphic>
-          <a:graphicData uri="http://schemas.openxmlformats.org/drawingml/2006/table">
-            <a:tbl>
-              <a:tblPr firstRow="1" bandRow="1">
-                <a:tableStyleId>{BC89EF96-8CEA-46FF-86C4-4CE0E7609802}</a:tableStyleId>
-              </a:tblPr>
-              <a:tblGrid>
-                <a:gridCol w="4860265">
-                  <a:extLst>
-                    <a:ext uri="{9D8B030D-6E8A-4147-A177-3AD203B41FA5}">
-                      <a16:colId xmlns:a16="http://schemas.microsoft.com/office/drawing/2014/main" val="3795115927"/>
-                    </a:ext>
-                  </a:extLst>
-                </a:gridCol>
-                <a:gridCol w="4740935">
-                  <a:extLst>
-                    <a:ext uri="{9D8B030D-6E8A-4147-A177-3AD203B41FA5}">
-                      <a16:colId xmlns:a16="http://schemas.microsoft.com/office/drawing/2014/main" val="2295962260"/>
-                    </a:ext>
-                  </a:extLst>
-                </a:gridCol>
-              </a:tblGrid>
-              <a:tr h="457273">
-                <a:tc>
-                  <a:txBody>
-                    <a:bodyPr/>
-                    <a:lstStyle/>
-                    <a:p>
-                      <a:pPr marL="0" marR="0" indent="0" algn="l" defTabSz="914400" rtl="0" eaLnBrk="1" fontAlgn="auto" latinLnBrk="0" hangingPunct="1">
-                        <a:lnSpc>
-                          <a:spcPct val="100000"/>
-                        </a:lnSpc>
-                        <a:spcBef>
-                          <a:spcPts val="0"/>
-                        </a:spcBef>
-                        <a:spcAft>
-                          <a:spcPts val="0"/>
-                        </a:spcAft>
-                        <a:buClrTx/>
-                        <a:buSzTx/>
-                        <a:buFontTx/>
-                        <a:buNone/>
-                        <a:tabLst/>
-                        <a:defRPr/>
-                      </a:pPr>
-                      <a:r>
-                        <a:rPr lang="ru-RU" dirty="0" smtClean="0"/>
-                        <a:t>Автоматический режим</a:t>
-                      </a:r>
-                    </a:p>
-                  </a:txBody>
-                  <a:tcPr/>
-                </a:tc>
-                <a:tc>
-                  <a:txBody>
-                    <a:bodyPr/>
-                    <a:lstStyle/>
-                    <a:p>
-                      <a:pPr marL="0" marR="0" indent="0" algn="l" defTabSz="914400" rtl="0" eaLnBrk="1" fontAlgn="auto" latinLnBrk="0" hangingPunct="1">
-                        <a:lnSpc>
-                          <a:spcPct val="100000"/>
-                        </a:lnSpc>
-                        <a:spcBef>
-                          <a:spcPts val="0"/>
-                        </a:spcBef>
-                        <a:spcAft>
-                          <a:spcPts val="0"/>
-                        </a:spcAft>
-                        <a:buClrTx/>
-                        <a:buSzTx/>
-                        <a:buFontTx/>
-                        <a:buNone/>
-                        <a:tabLst/>
-                        <a:defRPr/>
-                      </a:pPr>
-                      <a:r>
-                        <a:rPr lang="ru-RU" dirty="0" smtClean="0"/>
-                        <a:t>Ручной режим</a:t>
-                      </a:r>
-                    </a:p>
-                  </a:txBody>
-                  <a:tcPr/>
-                </a:tc>
-                <a:extLst>
-                  <a:ext uri="{0D108BD9-81ED-4DB2-BD59-A6C34878D82A}">
-                    <a16:rowId xmlns:a16="http://schemas.microsoft.com/office/drawing/2014/main" val="2443544684"/>
-                  </a:ext>
-                </a:extLst>
-              </a:tr>
-              <a:tr h="457273">
-                <a:tc gridSpan="2">
-                  <a:txBody>
-                    <a:bodyPr/>
-                    <a:lstStyle/>
-                    <a:p>
-                      <a:pPr marL="0" marR="0" indent="0" algn="l" defTabSz="914400" rtl="0" eaLnBrk="1" fontAlgn="auto" latinLnBrk="0" hangingPunct="1">
-                        <a:lnSpc>
-                          <a:spcPct val="100000"/>
-                        </a:lnSpc>
-                        <a:spcBef>
-                          <a:spcPts val="0"/>
-                        </a:spcBef>
-                        <a:spcAft>
-                          <a:spcPts val="0"/>
-                        </a:spcAft>
-                        <a:buClrTx/>
-                        <a:buSzTx/>
-                        <a:buFontTx/>
-                        <a:buNone/>
-                        <a:tabLst/>
-                        <a:defRPr/>
-                      </a:pPr>
-                      <a:r>
-                        <a:rPr lang="ru-RU" dirty="0" smtClean="0"/>
-                        <a:t>Входные данные:</a:t>
-                      </a:r>
-                    </a:p>
-                  </a:txBody>
-                  <a:tcPr/>
-                </a:tc>
-                <a:tc hMerge="1">
-                  <a:txBody>
-                    <a:bodyPr/>
-                    <a:lstStyle/>
-                    <a:p>
-                      <a:endParaRPr lang="ru-RU"/>
-                    </a:p>
-                  </a:txBody>
-                  <a:tcPr/>
-                </a:tc>
-                <a:extLst>
-                  <a:ext uri="{0D108BD9-81ED-4DB2-BD59-A6C34878D82A}">
-                    <a16:rowId xmlns:a16="http://schemas.microsoft.com/office/drawing/2014/main" val="2217529710"/>
-                  </a:ext>
-                </a:extLst>
-              </a:tr>
-              <a:tr h="849223">
-                <a:tc gridSpan="2">
-                  <a:txBody>
-                    <a:bodyPr/>
-                    <a:lstStyle/>
-                    <a:p>
-                      <a:pPr marL="285750" indent="-285750" algn="ctr">
-                        <a:buFont typeface="Arial" panose="020B0604020202020204" pitchFamily="34" charset="0"/>
-                        <a:buChar char="•"/>
-                      </a:pPr>
-                      <a:r>
-                        <a:rPr lang="ru-RU" dirty="0" smtClean="0"/>
-                        <a:t>Учебный план в формате таблицы </a:t>
-                      </a:r>
-                      <a:r>
-                        <a:rPr lang="en-US" dirty="0" smtClean="0"/>
-                        <a:t>Excel </a:t>
-                      </a:r>
-                    </a:p>
-                    <a:p>
-                      <a:pPr marL="285750" indent="-285750" algn="ctr">
-                        <a:buFont typeface="Arial" panose="020B0604020202020204" pitchFamily="34" charset="0"/>
-                        <a:buChar char="•"/>
-                      </a:pPr>
-                      <a:r>
-                        <a:rPr lang="ru-RU" dirty="0" smtClean="0"/>
-                        <a:t>Данные о количестве потоков, групп и подгрупп</a:t>
-                      </a:r>
-                    </a:p>
-                  </a:txBody>
-                  <a:tcPr/>
-                </a:tc>
-                <a:tc hMerge="1">
-                  <a:txBody>
-                    <a:bodyPr/>
-                    <a:lstStyle/>
-                    <a:p>
-                      <a:endParaRPr lang="ru-RU" dirty="0"/>
-                    </a:p>
-                  </a:txBody>
-                  <a:tcPr/>
-                </a:tc>
-                <a:extLst>
-                  <a:ext uri="{0D108BD9-81ED-4DB2-BD59-A6C34878D82A}">
-                    <a16:rowId xmlns:a16="http://schemas.microsoft.com/office/drawing/2014/main" val="1917380108"/>
-                  </a:ext>
-                </a:extLst>
-              </a:tr>
-              <a:tr h="1694339">
-                <a:tc>
-                  <a:txBody>
-                    <a:bodyPr/>
-                    <a:lstStyle/>
-                    <a:p>
-                      <a:pPr marL="285750" marR="0" indent="-285750" algn="l" defTabSz="914400" rtl="0" eaLnBrk="1" fontAlgn="auto" latinLnBrk="0" hangingPunct="1">
-                        <a:lnSpc>
-                          <a:spcPct val="100000"/>
-                        </a:lnSpc>
-                        <a:spcBef>
-                          <a:spcPts val="0"/>
-                        </a:spcBef>
-                        <a:spcAft>
-                          <a:spcPts val="0"/>
-                        </a:spcAft>
-                        <a:buClrTx/>
-                        <a:buSzTx/>
-                        <a:buFont typeface="Arial" panose="020B0604020202020204" pitchFamily="34" charset="0"/>
-                        <a:buChar char="•"/>
-                        <a:tabLst/>
-                        <a:defRPr/>
-                      </a:pPr>
-                      <a:r>
-                        <a:rPr lang="ru-RU" dirty="0" smtClean="0"/>
-                        <a:t>Таблица, содержащая информацию о предмете, преподавателе который его ведет и предпочтения преподавателя по ведению дисциплин. </a:t>
-                      </a:r>
-                    </a:p>
-                  </a:txBody>
-                  <a:tcPr/>
-                </a:tc>
-                <a:tc>
-                  <a:txBody>
-                    <a:bodyPr/>
-                    <a:lstStyle/>
-                    <a:p>
-                      <a:endParaRPr lang="ru-RU" dirty="0"/>
-                    </a:p>
-                  </a:txBody>
-                  <a:tcPr/>
-                </a:tc>
-                <a:extLst>
-                  <a:ext uri="{0D108BD9-81ED-4DB2-BD59-A6C34878D82A}">
-                    <a16:rowId xmlns:a16="http://schemas.microsoft.com/office/drawing/2014/main" val="4233600878"/>
-                  </a:ext>
-                </a:extLst>
-              </a:tr>
-              <a:tr h="457273">
-                <a:tc gridSpan="2">
-                  <a:txBody>
-                    <a:bodyPr/>
-                    <a:lstStyle/>
-                    <a:p>
-                      <a:pPr marL="0" marR="0" indent="0" algn="l" defTabSz="914400" rtl="0" eaLnBrk="1" fontAlgn="auto" latinLnBrk="0" hangingPunct="1">
-                        <a:lnSpc>
-                          <a:spcPct val="100000"/>
-                        </a:lnSpc>
-                        <a:spcBef>
-                          <a:spcPts val="0"/>
-                        </a:spcBef>
-                        <a:spcAft>
-                          <a:spcPts val="0"/>
-                        </a:spcAft>
-                        <a:buClrTx/>
-                        <a:buSzTx/>
-                        <a:buFontTx/>
-                        <a:buNone/>
-                        <a:tabLst/>
-                        <a:defRPr/>
-                      </a:pPr>
-                      <a:r>
-                        <a:rPr lang="ru-RU" dirty="0" smtClean="0"/>
-                        <a:t>Выходные данные:</a:t>
-                      </a:r>
-                    </a:p>
-                  </a:txBody>
-                  <a:tcPr/>
-                </a:tc>
-                <a:tc hMerge="1">
-                  <a:txBody>
-                    <a:bodyPr/>
-                    <a:lstStyle/>
-                    <a:p>
-                      <a:endParaRPr lang="ru-RU"/>
-                    </a:p>
-                  </a:txBody>
-                  <a:tcPr/>
-                </a:tc>
-                <a:extLst>
-                  <a:ext uri="{0D108BD9-81ED-4DB2-BD59-A6C34878D82A}">
-                    <a16:rowId xmlns:a16="http://schemas.microsoft.com/office/drawing/2014/main" val="2803912581"/>
-                  </a:ext>
-                </a:extLst>
-              </a:tr>
-              <a:tr h="473420">
-                <a:tc gridSpan="2">
-                  <a:txBody>
-                    <a:bodyPr/>
-                    <a:lstStyle/>
-                    <a:p>
-                      <a:pPr algn="ctr"/>
-                      <a:r>
-                        <a:rPr lang="ru-RU" dirty="0" smtClean="0"/>
-                        <a:t>Распределение всей учебной нагрузки кафедры между преподавателями.</a:t>
-                      </a:r>
-                    </a:p>
-                  </a:txBody>
-                  <a:tcPr/>
-                </a:tc>
-                <a:tc hMerge="1">
-                  <a:txBody>
-                    <a:bodyPr/>
-                    <a:lstStyle/>
-                    <a:p>
-                      <a:endParaRPr lang="ru-RU" dirty="0"/>
-                    </a:p>
-                  </a:txBody>
-                  <a:tcPr/>
-                </a:tc>
-                <a:extLst>
-                  <a:ext uri="{0D108BD9-81ED-4DB2-BD59-A6C34878D82A}">
-                    <a16:rowId xmlns:a16="http://schemas.microsoft.com/office/drawing/2014/main" val="1919388729"/>
-                  </a:ext>
-                </a:extLst>
-              </a:tr>
-            </a:tbl>
-          </a:graphicData>
-        </a:graphic>
-      </p:graphicFrame>
+      <p:pic>
+        <p:nvPicPr>
+          <p:cNvPr id="1027" name="Picture 3" descr="Конеткстная диаграмма"/>
+          <p:cNvPicPr>
+            <a:picLocks noChangeAspect="1" noChangeArrowheads="1"/>
+          </p:cNvPicPr>
+          <p:nvPr/>
+        </p:nvPicPr>
+        <p:blipFill>
+          <a:blip r:embed="rId2">
+            <a:extLst>
+              <a:ext uri="{28A0092B-C50C-407E-A947-70E740481C1C}">
+                <a14:useLocalDpi xmlns:a14="http://schemas.microsoft.com/office/drawing/2010/main" val="0"/>
+              </a:ext>
+            </a:extLst>
+          </a:blip>
+          <a:srcRect/>
+          <a:stretch>
+            <a:fillRect/>
+          </a:stretch>
+        </p:blipFill>
+        <p:spPr bwMode="auto">
+          <a:xfrm>
+            <a:off x="2767040" y="1646238"/>
+            <a:ext cx="5924550" cy="3781425"/>
+          </a:xfrm>
+          <a:prstGeom prst="rect">
+            <a:avLst/>
+          </a:prstGeom>
+          <a:noFill/>
+          <a:ln>
+            <a:noFill/>
+          </a:ln>
+          <a:extLst>
+            <a:ext uri="{909E8E84-426E-40DD-AFC4-6F175D3DCCD1}">
+              <a14:hiddenFill xmlns:a14="http://schemas.microsoft.com/office/drawing/2010/main">
+                <a:solidFill>
+                  <a:srgbClr val="FFFFFF"/>
+                </a:solidFill>
+              </a14:hiddenFill>
+            </a:ext>
+            <a:ext uri="{91240B29-F687-4F45-9708-019B960494DF}">
+              <a14:hiddenLine xmlns:a14="http://schemas.microsoft.com/office/drawing/2010/main" w="9525">
+                <a:solidFill>
+                  <a:srgbClr val="000000"/>
+                </a:solidFill>
+                <a:miter lim="800000"/>
+                <a:headEnd/>
+                <a:tailEnd/>
+              </a14:hiddenLine>
+            </a:ext>
+          </a:extLst>
+        </p:spPr>
+      </p:pic>
     </p:spTree>
     <p:extLst>
       <p:ext uri="{BB962C8B-B14F-4D97-AF65-F5344CB8AC3E}">
-        <p14:creationId xmlns:p14="http://schemas.microsoft.com/office/powerpoint/2010/main" val="4240745532"/>
+        <p14:creationId xmlns:p14="http://schemas.microsoft.com/office/powerpoint/2010/main" val="3920995546"/>
       </p:ext>
     </p:extLst>
   </p:cSld>
@@ -21123,13 +21328,6 @@
       </p:transition>
     </mc:Fallback>
   </mc:AlternateContent>
-  <p:timing>
-    <p:tnLst>
-      <p:par>
-        <p:cTn id="1" dur="indefinite" restart="never" nodeType="tmRoot"/>
-      </p:par>
-    </p:tnLst>
-  </p:timing>
 </p:sld>
 </file>
 
